--- a/Documents/Slides/Identity-DatabaseExercise.pptx
+++ b/Documents/Slides/Identity-DatabaseExercise.pptx
@@ -226,7 +226,7 @@
           <a:p>
             <a:fld id="{B5922E6D-3451-482A-A64F-C89F139BA51A}" type="datetimeFigureOut">
               <a:rPr lang="en-US" smtClean="0"/>
-              <a:t>11/19/2014</a:t>
+              <a:t>12/3/2014</a:t>
             </a:fld>
             <a:endParaRPr lang="en-US"/>
           </a:p>
@@ -391,7 +391,7 @@
           <a:p>
             <a:fld id="{05247E74-41DE-40FA-A7A7-A655366ADCFA}" type="datetimeFigureOut">
               <a:rPr lang="sv-SE" smtClean="0"/>
-              <a:t>2014-11-19</a:t>
+              <a:t>2014-12-03</a:t>
             </a:fld>
             <a:endParaRPr lang="sv-SE"/>
           </a:p>
@@ -1236,7 +1236,7 @@
           <a:p>
             <a:fld id="{DB41BBF1-8D56-4061-8DE2-461FDAC177EF}" type="datetimeFigureOut">
               <a:rPr lang="sv-SE" smtClean="0"/>
-              <a:t>2014-11-19</a:t>
+              <a:t>2014-12-03</a:t>
             </a:fld>
             <a:endParaRPr lang="sv-SE"/>
           </a:p>
@@ -1500,7 +1500,7 @@
           <a:p>
             <a:fld id="{DB41BBF1-8D56-4061-8DE2-461FDAC177EF}" type="datetimeFigureOut">
               <a:rPr lang="sv-SE" smtClean="0"/>
-              <a:t>2014-11-19</a:t>
+              <a:t>2014-12-03</a:t>
             </a:fld>
             <a:endParaRPr lang="sv-SE"/>
           </a:p>
@@ -1677,7 +1677,7 @@
           <a:p>
             <a:fld id="{DB41BBF1-8D56-4061-8DE2-461FDAC177EF}" type="datetimeFigureOut">
               <a:rPr lang="sv-SE" smtClean="0"/>
-              <a:t>2014-11-19</a:t>
+              <a:t>2014-12-03</a:t>
             </a:fld>
             <a:endParaRPr lang="sv-SE"/>
           </a:p>
@@ -1864,7 +1864,7 @@
           <a:p>
             <a:fld id="{DB41BBF1-8D56-4061-8DE2-461FDAC177EF}" type="datetimeFigureOut">
               <a:rPr lang="sv-SE" smtClean="0"/>
-              <a:t>2014-11-19</a:t>
+              <a:t>2014-12-03</a:t>
             </a:fld>
             <a:endParaRPr lang="sv-SE"/>
           </a:p>
@@ -2128,7 +2128,7 @@
           <a:p>
             <a:fld id="{DB41BBF1-8D56-4061-8DE2-461FDAC177EF}" type="datetimeFigureOut">
               <a:rPr lang="sv-SE" smtClean="0"/>
-              <a:t>2014-11-19</a:t>
+              <a:t>2014-12-03</a:t>
             </a:fld>
             <a:endParaRPr lang="sv-SE"/>
           </a:p>
@@ -2305,7 +2305,7 @@
           <a:p>
             <a:fld id="{DB41BBF1-8D56-4061-8DE2-461FDAC177EF}" type="datetimeFigureOut">
               <a:rPr lang="sv-SE" smtClean="0"/>
-              <a:t>2014-11-19</a:t>
+              <a:t>2014-12-03</a:t>
             </a:fld>
             <a:endParaRPr lang="sv-SE"/>
           </a:p>
@@ -2558,7 +2558,7 @@
           <a:p>
             <a:fld id="{DB41BBF1-8D56-4061-8DE2-461FDAC177EF}" type="datetimeFigureOut">
               <a:rPr lang="sv-SE" smtClean="0"/>
-              <a:t>2014-11-19</a:t>
+              <a:t>2014-12-03</a:t>
             </a:fld>
             <a:endParaRPr lang="sv-SE"/>
           </a:p>
@@ -2853,7 +2853,7 @@
           <a:p>
             <a:fld id="{DB41BBF1-8D56-4061-8DE2-461FDAC177EF}" type="datetimeFigureOut">
               <a:rPr lang="sv-SE" smtClean="0"/>
-              <a:t>2014-11-19</a:t>
+              <a:t>2014-12-03</a:t>
             </a:fld>
             <a:endParaRPr lang="sv-SE"/>
           </a:p>
@@ -3282,7 +3282,7 @@
           <a:p>
             <a:fld id="{DB41BBF1-8D56-4061-8DE2-461FDAC177EF}" type="datetimeFigureOut">
               <a:rPr lang="sv-SE" smtClean="0"/>
-              <a:t>2014-11-19</a:t>
+              <a:t>2014-12-03</a:t>
             </a:fld>
             <a:endParaRPr lang="sv-SE"/>
           </a:p>
@@ -3407,7 +3407,7 @@
           <a:p>
             <a:fld id="{DB41BBF1-8D56-4061-8DE2-461FDAC177EF}" type="datetimeFigureOut">
               <a:rPr lang="sv-SE" smtClean="0"/>
-              <a:t>2014-11-19</a:t>
+              <a:t>2014-12-03</a:t>
             </a:fld>
             <a:endParaRPr lang="sv-SE"/>
           </a:p>
@@ -3509,7 +3509,7 @@
           <a:p>
             <a:fld id="{DB41BBF1-8D56-4061-8DE2-461FDAC177EF}" type="datetimeFigureOut">
               <a:rPr lang="sv-SE" smtClean="0"/>
-              <a:t>2014-11-19</a:t>
+              <a:t>2014-12-03</a:t>
             </a:fld>
             <a:endParaRPr lang="sv-SE"/>
           </a:p>
@@ -3793,7 +3793,7 @@
           <a:p>
             <a:fld id="{DB41BBF1-8D56-4061-8DE2-461FDAC177EF}" type="datetimeFigureOut">
               <a:rPr lang="sv-SE" smtClean="0"/>
-              <a:t>2014-11-19</a:t>
+              <a:t>2014-12-03</a:t>
             </a:fld>
             <a:endParaRPr lang="sv-SE"/>
           </a:p>
@@ -4021,7 +4021,7 @@
           <a:p>
             <a:fld id="{DB41BBF1-8D56-4061-8DE2-461FDAC177EF}" type="datetimeFigureOut">
               <a:rPr lang="sv-SE" smtClean="0"/>
-              <a:t>2014-11-19</a:t>
+              <a:t>2014-12-03</a:t>
             </a:fld>
             <a:endParaRPr lang="sv-SE"/>
           </a:p>
@@ -4565,7 +4565,7 @@
 </file>
 
 <file path=ppt/slides/slide10.xml><?xml version="1.0" encoding="utf-8"?>
-<p:sld xmlns:a="http://schemas.openxmlformats.org/drawingml/2006/main" xmlns:r="http://schemas.openxmlformats.org/officeDocument/2006/relationships" xmlns:p="http://schemas.openxmlformats.org/presentationml/2006/main">
+<p:sld xmlns:a="http://schemas.openxmlformats.org/drawingml/2006/main" xmlns:r="http://schemas.openxmlformats.org/officeDocument/2006/relationships" xmlns:p="http://schemas.openxmlformats.org/presentationml/2006/main" show="0">
   <p:cSld>
     <p:spTree>
       <p:nvGrpSpPr>
@@ -4700,6 +4700,14 @@
   <p:clrMapOvr>
     <a:masterClrMapping/>
   </p:clrMapOvr>
+  <mc:AlternateContent xmlns:mc="http://schemas.openxmlformats.org/markup-compatibility/2006">
+    <mc:Choice xmlns:p14="http://schemas.microsoft.com/office/powerpoint/2010/main" Requires="p14">
+      <p:transition spd="slow" p14:dur="2000"/>
+    </mc:Choice>
+    <mc:Fallback>
+      <p:transition spd="slow"/>
+    </mc:Fallback>
+  </mc:AlternateContent>
   <p:timing>
     <p:tnLst>
       <p:par>
@@ -4778,16 +4786,24 @@
               <a:t>We will now add logic to seed the database, which we do by creating a class that we will call </a:t>
             </a:r>
             <a:r>
+              <a:rPr lang="en-US" sz="2400" b="1" dirty="0" err="1" smtClean="0">
+                <a:solidFill>
+                  <a:srgbClr val="77933C"/>
+                </a:solidFill>
+              </a:rPr>
+              <a:t>ApplicationDbInitializer</a:t>
+            </a:r>
+            <a:r>
               <a:rPr lang="en-US" sz="2400" b="1" dirty="0" smtClean="0">
                 <a:solidFill>
                   <a:srgbClr val="77933C"/>
                 </a:solidFill>
               </a:rPr>
-              <a:t>ApplicationDbInitializer </a:t>
+              <a:t> </a:t>
             </a:r>
             <a:r>
               <a:rPr lang="en-US" sz="2400" dirty="0" smtClean="0"/>
-              <a:t>which </a:t>
+              <a:t>which: </a:t>
             </a:r>
             <a:endParaRPr lang="en-US" sz="2400" b="1" dirty="0" smtClean="0">
               <a:solidFill>
@@ -5117,26 +5133,186 @@
         <p:spPr>
           <a:xfrm>
             <a:off x="215516" y="2204864"/>
-            <a:ext cx="8712968" cy="3672408"/>
+            <a:ext cx="8712968" cy="4464496"/>
           </a:xfrm>
         </p:spPr>
         <p:txBody>
           <a:bodyPr>
-            <a:normAutofit fontScale="25000" lnSpcReduction="20000"/>
+            <a:noAutofit/>
           </a:bodyPr>
           <a:lstStyle/>
           <a:p>
             <a:pPr marL="0" indent="0">
               <a:buNone/>
             </a:pPr>
-            <a:endParaRPr lang="en-US" sz="3500" dirty="0"/>
+            <a:r>
+              <a:rPr lang="en-US" sz="1200" dirty="0" smtClean="0">
+                <a:solidFill>
+                  <a:srgbClr val="000000"/>
+                </a:solidFill>
+                <a:highlight>
+                  <a:srgbClr val="FFFFFF"/>
+                </a:highlight>
+                <a:latin typeface="Consolas" panose="020B0609020204030204" pitchFamily="49" charset="0"/>
+              </a:rPr>
+              <a:t>        </a:t>
+            </a:r>
+            <a:r>
+              <a:rPr lang="en-US" sz="1200" dirty="0">
+                <a:solidFill>
+                  <a:srgbClr val="0000FF"/>
+                </a:solidFill>
+                <a:highlight>
+                  <a:srgbClr val="FFFFFF"/>
+                </a:highlight>
+                <a:latin typeface="Consolas" panose="020B0609020204030204" pitchFamily="49" charset="0"/>
+              </a:rPr>
+              <a:t>protected</a:t>
+            </a:r>
+            <a:r>
+              <a:rPr lang="en-US" sz="1200" dirty="0">
+                <a:solidFill>
+                  <a:srgbClr val="000000"/>
+                </a:solidFill>
+                <a:highlight>
+                  <a:srgbClr val="FFFFFF"/>
+                </a:highlight>
+                <a:latin typeface="Consolas" panose="020B0609020204030204" pitchFamily="49" charset="0"/>
+              </a:rPr>
+              <a:t> </a:t>
+            </a:r>
+            <a:r>
+              <a:rPr lang="en-US" sz="1200" dirty="0">
+                <a:solidFill>
+                  <a:srgbClr val="0000FF"/>
+                </a:solidFill>
+                <a:highlight>
+                  <a:srgbClr val="FFFFFF"/>
+                </a:highlight>
+                <a:latin typeface="Consolas" panose="020B0609020204030204" pitchFamily="49" charset="0"/>
+              </a:rPr>
+              <a:t>override</a:t>
+            </a:r>
+            <a:r>
+              <a:rPr lang="en-US" sz="1200" dirty="0">
+                <a:solidFill>
+                  <a:srgbClr val="000000"/>
+                </a:solidFill>
+                <a:highlight>
+                  <a:srgbClr val="FFFFFF"/>
+                </a:highlight>
+                <a:latin typeface="Consolas" panose="020B0609020204030204" pitchFamily="49" charset="0"/>
+              </a:rPr>
+              <a:t> </a:t>
+            </a:r>
+            <a:r>
+              <a:rPr lang="en-US" sz="1200" dirty="0">
+                <a:solidFill>
+                  <a:srgbClr val="0000FF"/>
+                </a:solidFill>
+                <a:highlight>
+                  <a:srgbClr val="FFFFFF"/>
+                </a:highlight>
+                <a:latin typeface="Consolas" panose="020B0609020204030204" pitchFamily="49" charset="0"/>
+              </a:rPr>
+              <a:t>void</a:t>
+            </a:r>
+            <a:r>
+              <a:rPr lang="en-US" sz="1200" dirty="0">
+                <a:solidFill>
+                  <a:srgbClr val="000000"/>
+                </a:solidFill>
+                <a:highlight>
+                  <a:srgbClr val="FFFFFF"/>
+                </a:highlight>
+                <a:latin typeface="Consolas" panose="020B0609020204030204" pitchFamily="49" charset="0"/>
+              </a:rPr>
+              <a:t> Seed(</a:t>
+            </a:r>
+            <a:r>
+              <a:rPr lang="en-US" sz="1200" dirty="0" err="1">
+                <a:solidFill>
+                  <a:srgbClr val="2B91AF"/>
+                </a:solidFill>
+                <a:highlight>
+                  <a:srgbClr val="FFFFFF"/>
+                </a:highlight>
+                <a:latin typeface="Consolas" panose="020B0609020204030204" pitchFamily="49" charset="0"/>
+              </a:rPr>
+              <a:t>IdentityDbContext</a:t>
+            </a:r>
+            <a:r>
+              <a:rPr lang="en-US" sz="1200" dirty="0">
+                <a:solidFill>
+                  <a:srgbClr val="000000"/>
+                </a:solidFill>
+                <a:highlight>
+                  <a:srgbClr val="FFFFFF"/>
+                </a:highlight>
+                <a:latin typeface="Consolas" panose="020B0609020204030204" pitchFamily="49" charset="0"/>
+              </a:rPr>
+              <a:t>&lt;</a:t>
+            </a:r>
+            <a:r>
+              <a:rPr lang="en-US" sz="1200" dirty="0" err="1">
+                <a:solidFill>
+                  <a:srgbClr val="2B91AF"/>
+                </a:solidFill>
+                <a:highlight>
+                  <a:srgbClr val="FFFFFF"/>
+                </a:highlight>
+                <a:latin typeface="Consolas" panose="020B0609020204030204" pitchFamily="49" charset="0"/>
+              </a:rPr>
+              <a:t>IdentityUser</a:t>
+            </a:r>
+            <a:r>
+              <a:rPr lang="en-US" sz="1200" dirty="0">
+                <a:solidFill>
+                  <a:srgbClr val="000000"/>
+                </a:solidFill>
+                <a:highlight>
+                  <a:srgbClr val="FFFFFF"/>
+                </a:highlight>
+                <a:latin typeface="Consolas" panose="020B0609020204030204" pitchFamily="49" charset="0"/>
+              </a:rPr>
+              <a:t>&gt; context)</a:t>
+            </a:r>
           </a:p>
           <a:p>
             <a:pPr marL="0" indent="0">
               <a:buNone/>
             </a:pPr>
             <a:r>
-              <a:rPr lang="en-US" sz="4800" dirty="0">
+              <a:rPr lang="en-US" sz="1200" dirty="0">
+                <a:solidFill>
+                  <a:srgbClr val="000000"/>
+                </a:solidFill>
+                <a:highlight>
+                  <a:srgbClr val="FFFFFF"/>
+                </a:highlight>
+                <a:latin typeface="Consolas" panose="020B0609020204030204" pitchFamily="49" charset="0"/>
+              </a:rPr>
+              <a:t>        {</a:t>
+            </a:r>
+          </a:p>
+          <a:p>
+            <a:pPr marL="0" indent="0">
+              <a:buNone/>
+            </a:pPr>
+            <a:r>
+              <a:rPr lang="en-US" sz="1200" dirty="0">
+                <a:solidFill>
+                  <a:srgbClr val="000000"/>
+                </a:solidFill>
+                <a:highlight>
+                  <a:srgbClr val="FFFFFF"/>
+                </a:highlight>
+                <a:latin typeface="Consolas" panose="020B0609020204030204" pitchFamily="49" charset="0"/>
+              </a:rPr>
+              <a:t>            </a:t>
+            </a:r>
+            <a:r>
+              <a:rPr lang="en-US" sz="1200" dirty="0" err="1">
                 <a:solidFill>
                   <a:srgbClr val="0000FF"/>
                 </a:solidFill>
@@ -5145,10 +5321,46 @@
                 </a:highlight>
                 <a:latin typeface="Consolas" panose="020B0609020204030204" pitchFamily="49" charset="0"/>
               </a:rPr>
+              <a:t>var</a:t>
+            </a:r>
+            <a:r>
+              <a:rPr lang="en-US" sz="1200" dirty="0">
+                <a:solidFill>
+                  <a:srgbClr val="000000"/>
+                </a:solidFill>
+                <a:highlight>
+                  <a:srgbClr val="FFFFFF"/>
+                </a:highlight>
+                <a:latin typeface="Consolas" panose="020B0609020204030204" pitchFamily="49" charset="0"/>
+              </a:rPr>
               <a:t> </a:t>
             </a:r>
             <a:r>
-              <a:rPr lang="en-US" sz="4800" dirty="0" smtClean="0">
+              <a:rPr lang="en-US" sz="1200" dirty="0" err="1">
+                <a:solidFill>
+                  <a:srgbClr val="000000"/>
+                </a:solidFill>
+                <a:highlight>
+                  <a:srgbClr val="FFFFFF"/>
+                </a:highlight>
+                <a:latin typeface="Consolas" panose="020B0609020204030204" pitchFamily="49" charset="0"/>
+              </a:rPr>
+              <a:t>usermanager</a:t>
+            </a:r>
+            <a:r>
+              <a:rPr lang="en-US" sz="1200" dirty="0">
+                <a:solidFill>
+                  <a:srgbClr val="000000"/>
+                </a:solidFill>
+                <a:highlight>
+                  <a:srgbClr val="FFFFFF"/>
+                </a:highlight>
+                <a:latin typeface="Consolas" panose="020B0609020204030204" pitchFamily="49" charset="0"/>
+              </a:rPr>
+              <a:t> = </a:t>
+            </a:r>
+            <a:r>
+              <a:rPr lang="en-US" sz="1200" dirty="0">
                 <a:solidFill>
                   <a:srgbClr val="0000FF"/>
                 </a:solidFill>
@@ -5157,10 +5369,10 @@
                 </a:highlight>
                 <a:latin typeface="Consolas" panose="020B0609020204030204" pitchFamily="49" charset="0"/>
               </a:rPr>
-              <a:t>       protected</a:t>
-            </a:r>
-            <a:r>
-              <a:rPr lang="en-US" sz="4800" dirty="0" smtClean="0">
+              <a:t>new</a:t>
+            </a:r>
+            <a:r>
+              <a:rPr lang="en-US" sz="1200" dirty="0">
                 <a:solidFill>
                   <a:srgbClr val="000000"/>
                 </a:solidFill>
@@ -5172,7 +5384,84 @@
               <a:t> </a:t>
             </a:r>
             <a:r>
-              <a:rPr lang="en-US" sz="4800" dirty="0">
+              <a:rPr lang="en-US" sz="1200" dirty="0" err="1">
+                <a:solidFill>
+                  <a:srgbClr val="2B91AF"/>
+                </a:solidFill>
+                <a:highlight>
+                  <a:srgbClr val="FFFFFF"/>
+                </a:highlight>
+                <a:latin typeface="Consolas" panose="020B0609020204030204" pitchFamily="49" charset="0"/>
+              </a:rPr>
+              <a:t>UserManager</a:t>
+            </a:r>
+            <a:r>
+              <a:rPr lang="en-US" sz="1200" dirty="0">
+                <a:solidFill>
+                  <a:srgbClr val="000000"/>
+                </a:solidFill>
+                <a:highlight>
+                  <a:srgbClr val="FFFFFF"/>
+                </a:highlight>
+                <a:latin typeface="Consolas" panose="020B0609020204030204" pitchFamily="49" charset="0"/>
+              </a:rPr>
+              <a:t>&lt;</a:t>
+            </a:r>
+            <a:r>
+              <a:rPr lang="en-US" sz="1200" dirty="0" err="1">
+                <a:solidFill>
+                  <a:srgbClr val="2B91AF"/>
+                </a:solidFill>
+                <a:highlight>
+                  <a:srgbClr val="FFFFFF"/>
+                </a:highlight>
+                <a:latin typeface="Consolas" panose="020B0609020204030204" pitchFamily="49" charset="0"/>
+              </a:rPr>
+              <a:t>IdentityUser</a:t>
+            </a:r>
+            <a:r>
+              <a:rPr lang="en-US" sz="1200" dirty="0" smtClean="0">
+                <a:solidFill>
+                  <a:srgbClr val="000000"/>
+                </a:solidFill>
+                <a:highlight>
+                  <a:srgbClr val="FFFFFF"/>
+                </a:highlight>
+                <a:latin typeface="Consolas" panose="020B0609020204030204" pitchFamily="49" charset="0"/>
+              </a:rPr>
+              <a:t>&gt;(</a:t>
+            </a:r>
+          </a:p>
+          <a:p>
+            <a:pPr marL="0" indent="0">
+              <a:buNone/>
+            </a:pPr>
+            <a:r>
+              <a:rPr lang="en-US" sz="1200" dirty="0">
+                <a:solidFill>
+                  <a:srgbClr val="000000"/>
+                </a:solidFill>
+                <a:highlight>
+                  <a:srgbClr val="FFFFFF"/>
+                </a:highlight>
+                <a:latin typeface="Consolas" panose="020B0609020204030204" pitchFamily="49" charset="0"/>
+              </a:rPr>
+              <a:t> </a:t>
+            </a:r>
+            <a:r>
+              <a:rPr lang="en-US" sz="1200" dirty="0" smtClean="0">
+                <a:solidFill>
+                  <a:srgbClr val="000000"/>
+                </a:solidFill>
+                <a:highlight>
+                  <a:srgbClr val="FFFFFF"/>
+                </a:highlight>
+                <a:latin typeface="Consolas" panose="020B0609020204030204" pitchFamily="49" charset="0"/>
+              </a:rPr>
+              <a:t>           </a:t>
+            </a:r>
+            <a:r>
+              <a:rPr lang="en-US" sz="1200" dirty="0" smtClean="0">
                 <a:solidFill>
                   <a:srgbClr val="0000FF"/>
                 </a:solidFill>
@@ -5181,10 +5470,10 @@
                 </a:highlight>
                 <a:latin typeface="Consolas" panose="020B0609020204030204" pitchFamily="49" charset="0"/>
               </a:rPr>
-              <a:t>override</a:t>
-            </a:r>
-            <a:r>
-              <a:rPr lang="en-US" sz="4800" dirty="0">
+              <a:t>new</a:t>
+            </a:r>
+            <a:r>
+              <a:rPr lang="en-US" sz="1200" dirty="0" smtClean="0">
                 <a:solidFill>
                   <a:srgbClr val="000000"/>
                 </a:solidFill>
@@ -5196,7 +5485,55 @@
               <a:t> </a:t>
             </a:r>
             <a:r>
-              <a:rPr lang="en-US" sz="4800" dirty="0">
+              <a:rPr lang="en-US" sz="1200" dirty="0" err="1">
+                <a:solidFill>
+                  <a:srgbClr val="2B91AF"/>
+                </a:solidFill>
+                <a:highlight>
+                  <a:srgbClr val="FFFFFF"/>
+                </a:highlight>
+                <a:latin typeface="Consolas" panose="020B0609020204030204" pitchFamily="49" charset="0"/>
+              </a:rPr>
+              <a:t>UserStore</a:t>
+            </a:r>
+            <a:r>
+              <a:rPr lang="en-US" sz="1200" dirty="0">
+                <a:solidFill>
+                  <a:srgbClr val="000000"/>
+                </a:solidFill>
+                <a:highlight>
+                  <a:srgbClr val="FFFFFF"/>
+                </a:highlight>
+                <a:latin typeface="Consolas" panose="020B0609020204030204" pitchFamily="49" charset="0"/>
+              </a:rPr>
+              <a:t>&lt;</a:t>
+            </a:r>
+            <a:r>
+              <a:rPr lang="en-US" sz="1200" dirty="0" err="1">
+                <a:solidFill>
+                  <a:srgbClr val="2B91AF"/>
+                </a:solidFill>
+                <a:highlight>
+                  <a:srgbClr val="FFFFFF"/>
+                </a:highlight>
+                <a:latin typeface="Consolas" panose="020B0609020204030204" pitchFamily="49" charset="0"/>
+              </a:rPr>
+              <a:t>IdentityUser</a:t>
+            </a:r>
+            <a:r>
+              <a:rPr lang="en-US" sz="1200" dirty="0">
+                <a:solidFill>
+                  <a:srgbClr val="000000"/>
+                </a:solidFill>
+                <a:highlight>
+                  <a:srgbClr val="FFFFFF"/>
+                </a:highlight>
+                <a:latin typeface="Consolas" panose="020B0609020204030204" pitchFamily="49" charset="0"/>
+              </a:rPr>
+              <a:t>&gt;(</a:t>
+            </a:r>
+            <a:r>
+              <a:rPr lang="en-US" sz="1200" dirty="0">
                 <a:solidFill>
                   <a:srgbClr val="0000FF"/>
                 </a:solidFill>
@@ -5205,22 +5542,22 @@
                 </a:highlight>
                 <a:latin typeface="Consolas" panose="020B0609020204030204" pitchFamily="49" charset="0"/>
               </a:rPr>
-              <a:t>void</a:t>
-            </a:r>
-            <a:r>
-              <a:rPr lang="en-US" sz="4800" dirty="0">
-                <a:solidFill>
-                  <a:srgbClr val="000000"/>
-                </a:solidFill>
-                <a:highlight>
-                  <a:srgbClr val="FFFFFF"/>
-                </a:highlight>
-                <a:latin typeface="Consolas" panose="020B0609020204030204" pitchFamily="49" charset="0"/>
-              </a:rPr>
-              <a:t> Seed(</a:t>
-            </a:r>
-            <a:r>
-              <a:rPr lang="en-US" sz="4800" dirty="0">
+              <a:t>new</a:t>
+            </a:r>
+            <a:r>
+              <a:rPr lang="en-US" sz="1200" dirty="0">
+                <a:solidFill>
+                  <a:srgbClr val="000000"/>
+                </a:solidFill>
+                <a:highlight>
+                  <a:srgbClr val="FFFFFF"/>
+                </a:highlight>
+                <a:latin typeface="Consolas" panose="020B0609020204030204" pitchFamily="49" charset="0"/>
+              </a:rPr>
+              <a:t> </a:t>
+            </a:r>
+            <a:r>
+              <a:rPr lang="en-US" sz="1200" dirty="0" err="1">
                 <a:solidFill>
                   <a:srgbClr val="2B91AF"/>
                 </a:solidFill>
@@ -5232,7 +5569,7 @@
               <a:t>IdentityDbContext</a:t>
             </a:r>
             <a:r>
-              <a:rPr lang="en-US" sz="4800" dirty="0">
+              <a:rPr lang="en-US" sz="1200" dirty="0">
                 <a:solidFill>
                   <a:srgbClr val="000000"/>
                 </a:solidFill>
@@ -5244,7 +5581,7 @@
               <a:t>&lt;</a:t>
             </a:r>
             <a:r>
-              <a:rPr lang="en-US" sz="4800" dirty="0">
+              <a:rPr lang="en-US" sz="1200" dirty="0" err="1">
                 <a:solidFill>
                   <a:srgbClr val="2B91AF"/>
                 </a:solidFill>
@@ -5256,317 +5593,7 @@
               <a:t>IdentityUser</a:t>
             </a:r>
             <a:r>
-              <a:rPr lang="en-US" sz="4800" dirty="0">
-                <a:solidFill>
-                  <a:srgbClr val="000000"/>
-                </a:solidFill>
-                <a:highlight>
-                  <a:srgbClr val="FFFFFF"/>
-                </a:highlight>
-                <a:latin typeface="Consolas" panose="020B0609020204030204" pitchFamily="49" charset="0"/>
-              </a:rPr>
-              <a:t>&gt; context)</a:t>
-            </a:r>
-          </a:p>
-          <a:p>
-            <a:pPr marL="0" indent="0">
-              <a:buNone/>
-            </a:pPr>
-            <a:r>
-              <a:rPr lang="en-US" sz="4800" dirty="0">
-                <a:solidFill>
-                  <a:srgbClr val="000000"/>
-                </a:solidFill>
-                <a:highlight>
-                  <a:srgbClr val="FFFFFF"/>
-                </a:highlight>
-                <a:latin typeface="Consolas" panose="020B0609020204030204" pitchFamily="49" charset="0"/>
-              </a:rPr>
-              <a:t>        {</a:t>
-            </a:r>
-          </a:p>
-          <a:p>
-            <a:pPr marL="0" indent="0">
-              <a:buNone/>
-            </a:pPr>
-            <a:r>
-              <a:rPr lang="en-US" sz="4800" dirty="0">
-                <a:solidFill>
-                  <a:srgbClr val="000000"/>
-                </a:solidFill>
-                <a:highlight>
-                  <a:srgbClr val="FFFFFF"/>
-                </a:highlight>
-                <a:latin typeface="Consolas" panose="020B0609020204030204" pitchFamily="49" charset="0"/>
-              </a:rPr>
-              <a:t>            </a:t>
-            </a:r>
-            <a:r>
-              <a:rPr lang="en-US" sz="4800" dirty="0">
-                <a:solidFill>
-                  <a:srgbClr val="0000FF"/>
-                </a:solidFill>
-                <a:highlight>
-                  <a:srgbClr val="FFFFFF"/>
-                </a:highlight>
-                <a:latin typeface="Consolas" panose="020B0609020204030204" pitchFamily="49" charset="0"/>
-              </a:rPr>
-              <a:t>var</a:t>
-            </a:r>
-            <a:r>
-              <a:rPr lang="en-US" sz="4800" dirty="0">
-                <a:solidFill>
-                  <a:srgbClr val="000000"/>
-                </a:solidFill>
-                <a:highlight>
-                  <a:srgbClr val="FFFFFF"/>
-                </a:highlight>
-                <a:latin typeface="Consolas" panose="020B0609020204030204" pitchFamily="49" charset="0"/>
-              </a:rPr>
-              <a:t> </a:t>
-            </a:r>
-            <a:r>
-              <a:rPr lang="en-US" sz="4800" dirty="0" err="1">
-                <a:solidFill>
-                  <a:srgbClr val="000000"/>
-                </a:solidFill>
-                <a:highlight>
-                  <a:srgbClr val="FFFFFF"/>
-                </a:highlight>
-                <a:latin typeface="Consolas" panose="020B0609020204030204" pitchFamily="49" charset="0"/>
-              </a:rPr>
-              <a:t>usermanager</a:t>
-            </a:r>
-            <a:r>
-              <a:rPr lang="en-US" sz="4800" dirty="0">
-                <a:solidFill>
-                  <a:srgbClr val="000000"/>
-                </a:solidFill>
-                <a:highlight>
-                  <a:srgbClr val="FFFFFF"/>
-                </a:highlight>
-                <a:latin typeface="Consolas" panose="020B0609020204030204" pitchFamily="49" charset="0"/>
-              </a:rPr>
-              <a:t> = </a:t>
-            </a:r>
-            <a:r>
-              <a:rPr lang="en-US" sz="4800" dirty="0">
-                <a:solidFill>
-                  <a:srgbClr val="0000FF"/>
-                </a:solidFill>
-                <a:highlight>
-                  <a:srgbClr val="FFFFFF"/>
-                </a:highlight>
-                <a:latin typeface="Consolas" panose="020B0609020204030204" pitchFamily="49" charset="0"/>
-              </a:rPr>
-              <a:t>new</a:t>
-            </a:r>
-            <a:r>
-              <a:rPr lang="en-US" sz="4800" dirty="0">
-                <a:solidFill>
-                  <a:srgbClr val="000000"/>
-                </a:solidFill>
-                <a:highlight>
-                  <a:srgbClr val="FFFFFF"/>
-                </a:highlight>
-                <a:latin typeface="Consolas" panose="020B0609020204030204" pitchFamily="49" charset="0"/>
-              </a:rPr>
-              <a:t> </a:t>
-            </a:r>
-            <a:r>
-              <a:rPr lang="en-US" sz="4800" dirty="0">
-                <a:solidFill>
-                  <a:srgbClr val="2B91AF"/>
-                </a:solidFill>
-                <a:highlight>
-                  <a:srgbClr val="FFFFFF"/>
-                </a:highlight>
-                <a:latin typeface="Consolas" panose="020B0609020204030204" pitchFamily="49" charset="0"/>
-              </a:rPr>
-              <a:t>UserManager</a:t>
-            </a:r>
-            <a:r>
-              <a:rPr lang="en-US" sz="4800" dirty="0">
-                <a:solidFill>
-                  <a:srgbClr val="000000"/>
-                </a:solidFill>
-                <a:highlight>
-                  <a:srgbClr val="FFFFFF"/>
-                </a:highlight>
-                <a:latin typeface="Consolas" panose="020B0609020204030204" pitchFamily="49" charset="0"/>
-              </a:rPr>
-              <a:t>&lt;</a:t>
-            </a:r>
-            <a:r>
-              <a:rPr lang="en-US" sz="4800" dirty="0">
-                <a:solidFill>
-                  <a:srgbClr val="2B91AF"/>
-                </a:solidFill>
-                <a:highlight>
-                  <a:srgbClr val="FFFFFF"/>
-                </a:highlight>
-                <a:latin typeface="Consolas" panose="020B0609020204030204" pitchFamily="49" charset="0"/>
-              </a:rPr>
-              <a:t>IdentityUser</a:t>
-            </a:r>
-            <a:r>
-              <a:rPr lang="en-US" sz="4800" dirty="0">
-                <a:solidFill>
-                  <a:srgbClr val="000000"/>
-                </a:solidFill>
-                <a:highlight>
-                  <a:srgbClr val="FFFFFF"/>
-                </a:highlight>
-                <a:latin typeface="Consolas" panose="020B0609020204030204" pitchFamily="49" charset="0"/>
-              </a:rPr>
-              <a:t>&gt;(</a:t>
-            </a:r>
-            <a:r>
-              <a:rPr lang="en-US" sz="4800" dirty="0">
-                <a:solidFill>
-                  <a:srgbClr val="0000FF"/>
-                </a:solidFill>
-                <a:highlight>
-                  <a:srgbClr val="FFFFFF"/>
-                </a:highlight>
-                <a:latin typeface="Consolas" panose="020B0609020204030204" pitchFamily="49" charset="0"/>
-              </a:rPr>
-              <a:t>new</a:t>
-            </a:r>
-            <a:r>
-              <a:rPr lang="en-US" sz="4800" dirty="0">
-                <a:solidFill>
-                  <a:srgbClr val="000000"/>
-                </a:solidFill>
-                <a:highlight>
-                  <a:srgbClr val="FFFFFF"/>
-                </a:highlight>
-                <a:latin typeface="Consolas" panose="020B0609020204030204" pitchFamily="49" charset="0"/>
-              </a:rPr>
-              <a:t> </a:t>
-            </a:r>
-            <a:r>
-              <a:rPr lang="en-US" sz="4800" dirty="0">
-                <a:solidFill>
-                  <a:srgbClr val="2B91AF"/>
-                </a:solidFill>
-                <a:highlight>
-                  <a:srgbClr val="FFFFFF"/>
-                </a:highlight>
-                <a:latin typeface="Consolas" panose="020B0609020204030204" pitchFamily="49" charset="0"/>
-              </a:rPr>
-              <a:t>UserStore</a:t>
-            </a:r>
-            <a:r>
-              <a:rPr lang="en-US" sz="4800" dirty="0">
-                <a:solidFill>
-                  <a:srgbClr val="000000"/>
-                </a:solidFill>
-                <a:highlight>
-                  <a:srgbClr val="FFFFFF"/>
-                </a:highlight>
-                <a:latin typeface="Consolas" panose="020B0609020204030204" pitchFamily="49" charset="0"/>
-              </a:rPr>
-              <a:t>&lt;</a:t>
-            </a:r>
-            <a:r>
-              <a:rPr lang="en-US" sz="4800" dirty="0">
-                <a:solidFill>
-                  <a:srgbClr val="2B91AF"/>
-                </a:solidFill>
-                <a:highlight>
-                  <a:srgbClr val="FFFFFF"/>
-                </a:highlight>
-                <a:latin typeface="Consolas" panose="020B0609020204030204" pitchFamily="49" charset="0"/>
-              </a:rPr>
-              <a:t>IdentityUser</a:t>
-            </a:r>
-            <a:r>
-              <a:rPr lang="en-US" sz="4800" dirty="0">
-                <a:solidFill>
-                  <a:srgbClr val="000000"/>
-                </a:solidFill>
-                <a:highlight>
-                  <a:srgbClr val="FFFFFF"/>
-                </a:highlight>
-                <a:latin typeface="Consolas" panose="020B0609020204030204" pitchFamily="49" charset="0"/>
-              </a:rPr>
-              <a:t>&gt;(</a:t>
-            </a:r>
-            <a:r>
-              <a:rPr lang="en-US" sz="4800" dirty="0">
-                <a:solidFill>
-                  <a:srgbClr val="0000FF"/>
-                </a:solidFill>
-                <a:highlight>
-                  <a:srgbClr val="FFFFFF"/>
-                </a:highlight>
-                <a:latin typeface="Consolas" panose="020B0609020204030204" pitchFamily="49" charset="0"/>
-              </a:rPr>
-              <a:t>new</a:t>
-            </a:r>
-            <a:r>
-              <a:rPr lang="en-US" sz="4800" dirty="0">
-                <a:solidFill>
-                  <a:srgbClr val="000000"/>
-                </a:solidFill>
-                <a:highlight>
-                  <a:srgbClr val="FFFFFF"/>
-                </a:highlight>
-                <a:latin typeface="Consolas" panose="020B0609020204030204" pitchFamily="49" charset="0"/>
-              </a:rPr>
-              <a:t> </a:t>
-            </a:r>
-            <a:r>
-              <a:rPr lang="en-US" sz="4800" dirty="0" smtClean="0">
-                <a:solidFill>
-                  <a:srgbClr val="000000"/>
-                </a:solidFill>
-                <a:highlight>
-                  <a:srgbClr val="FFFFFF"/>
-                </a:highlight>
-                <a:latin typeface="Consolas" panose="020B0609020204030204" pitchFamily="49" charset="0"/>
-              </a:rPr>
-              <a:t>	    	  </a:t>
-            </a:r>
-            <a:r>
-              <a:rPr lang="en-US" sz="4800" dirty="0" smtClean="0">
-                <a:solidFill>
-                  <a:srgbClr val="2B91AF"/>
-                </a:solidFill>
-                <a:highlight>
-                  <a:srgbClr val="FFFFFF"/>
-                </a:highlight>
-                <a:latin typeface="Consolas" panose="020B0609020204030204" pitchFamily="49" charset="0"/>
-              </a:rPr>
-              <a:t>IdentityDbContext</a:t>
-            </a:r>
-            <a:r>
-              <a:rPr lang="en-US" sz="4800" dirty="0" smtClean="0">
-                <a:solidFill>
-                  <a:srgbClr val="000000"/>
-                </a:solidFill>
-                <a:highlight>
-                  <a:srgbClr val="FFFFFF"/>
-                </a:highlight>
-                <a:latin typeface="Consolas" panose="020B0609020204030204" pitchFamily="49" charset="0"/>
-              </a:rPr>
-              <a:t>&lt;</a:t>
-            </a:r>
-            <a:r>
-              <a:rPr lang="en-US" sz="4800" dirty="0" smtClean="0">
-                <a:solidFill>
-                  <a:srgbClr val="2B91AF"/>
-                </a:solidFill>
-                <a:highlight>
-                  <a:srgbClr val="FFFFFF"/>
-                </a:highlight>
-                <a:latin typeface="Consolas" panose="020B0609020204030204" pitchFamily="49" charset="0"/>
-              </a:rPr>
-              <a:t>IdentityUser</a:t>
-            </a:r>
-            <a:r>
-              <a:rPr lang="en-US" sz="4800" dirty="0">
+              <a:rPr lang="en-US" sz="1200" dirty="0" smtClean="0">
                 <a:solidFill>
                   <a:srgbClr val="000000"/>
                 </a:solidFill>
@@ -5577,9 +5604,7 @@
               </a:rPr>
               <a:t>&gt;()));</a:t>
             </a:r>
-          </a:p>
-          <a:p>
-            <a:endParaRPr lang="en-US" sz="4800" dirty="0">
+            <a:endParaRPr lang="en-US" sz="1200" dirty="0">
               <a:solidFill>
                 <a:srgbClr val="000000"/>
               </a:solidFill>
@@ -5594,7 +5619,7 @@
               <a:buNone/>
             </a:pPr>
             <a:r>
-              <a:rPr lang="en-US" sz="4800" dirty="0">
+              <a:rPr lang="en-US" sz="1200" dirty="0">
                 <a:solidFill>
                   <a:srgbClr val="000000"/>
                 </a:solidFill>
@@ -5606,7 +5631,7 @@
               <a:t>            </a:t>
             </a:r>
             <a:r>
-              <a:rPr lang="en-US" sz="4800" dirty="0">
+              <a:rPr lang="en-US" sz="1200" dirty="0">
                 <a:solidFill>
                   <a:srgbClr val="0000FF"/>
                 </a:solidFill>
@@ -5615,10 +5640,92 @@
                 </a:highlight>
                 <a:latin typeface="Consolas" panose="020B0609020204030204" pitchFamily="49" charset="0"/>
               </a:rPr>
+              <a:t>using</a:t>
+            </a:r>
+            <a:r>
+              <a:rPr lang="en-US" sz="1200" dirty="0">
+                <a:solidFill>
+                  <a:srgbClr val="000000"/>
+                </a:solidFill>
+                <a:highlight>
+                  <a:srgbClr val="FFFFFF"/>
+                </a:highlight>
+                <a:latin typeface="Consolas" panose="020B0609020204030204" pitchFamily="49" charset="0"/>
+              </a:rPr>
+              <a:t> (</a:t>
+            </a:r>
+            <a:r>
+              <a:rPr lang="en-US" sz="1200" dirty="0" err="1">
+                <a:solidFill>
+                  <a:srgbClr val="000000"/>
+                </a:solidFill>
+                <a:highlight>
+                  <a:srgbClr val="FFFFFF"/>
+                </a:highlight>
+                <a:latin typeface="Consolas" panose="020B0609020204030204" pitchFamily="49" charset="0"/>
+              </a:rPr>
+              <a:t>usermanager</a:t>
+            </a:r>
+            <a:r>
+              <a:rPr lang="en-US" sz="1200" dirty="0">
+                <a:solidFill>
+                  <a:srgbClr val="000000"/>
+                </a:solidFill>
+                <a:highlight>
+                  <a:srgbClr val="FFFFFF"/>
+                </a:highlight>
+                <a:latin typeface="Consolas" panose="020B0609020204030204" pitchFamily="49" charset="0"/>
+              </a:rPr>
+              <a:t>)</a:t>
+            </a:r>
+          </a:p>
+          <a:p>
+            <a:pPr marL="0" indent="0">
+              <a:buNone/>
+            </a:pPr>
+            <a:r>
+              <a:rPr lang="en-US" sz="1200" dirty="0">
+                <a:solidFill>
+                  <a:srgbClr val="000000"/>
+                </a:solidFill>
+                <a:highlight>
+                  <a:srgbClr val="FFFFFF"/>
+                </a:highlight>
+                <a:latin typeface="Consolas" panose="020B0609020204030204" pitchFamily="49" charset="0"/>
+              </a:rPr>
+              <a:t>            {</a:t>
+            </a:r>
+          </a:p>
+          <a:p>
+            <a:pPr marL="0" indent="0">
+              <a:buNone/>
+            </a:pPr>
+            <a:r>
+              <a:rPr lang="nn-NO" sz="1200" dirty="0">
+                <a:solidFill>
+                  <a:srgbClr val="000000"/>
+                </a:solidFill>
+                <a:highlight>
+                  <a:srgbClr val="FFFFFF"/>
+                </a:highlight>
+                <a:latin typeface="Consolas" panose="020B0609020204030204" pitchFamily="49" charset="0"/>
+              </a:rPr>
+              <a:t>                </a:t>
+            </a:r>
+            <a:r>
+              <a:rPr lang="nn-NO" sz="1200" dirty="0">
+                <a:solidFill>
+                  <a:srgbClr val="0000FF"/>
+                </a:solidFill>
+                <a:highlight>
+                  <a:srgbClr val="FFFFFF"/>
+                </a:highlight>
+                <a:latin typeface="Consolas" panose="020B0609020204030204" pitchFamily="49" charset="0"/>
+              </a:rPr>
               <a:t>for</a:t>
             </a:r>
             <a:r>
-              <a:rPr lang="en-US" sz="4800" dirty="0">
+              <a:rPr lang="nn-NO" sz="1200" dirty="0">
                 <a:solidFill>
                   <a:srgbClr val="000000"/>
                 </a:solidFill>
@@ -5630,7 +5737,7 @@
               <a:t> (</a:t>
             </a:r>
             <a:r>
-              <a:rPr lang="en-US" sz="4800" dirty="0">
+              <a:rPr lang="nn-NO" sz="1200" dirty="0">
                 <a:solidFill>
                   <a:srgbClr val="0000FF"/>
                 </a:solidFill>
@@ -5642,16 +5749,16 @@
               <a:t>int</a:t>
             </a:r>
             <a:r>
-              <a:rPr lang="en-US" sz="4800" dirty="0">
-                <a:solidFill>
-                  <a:srgbClr val="000000"/>
-                </a:solidFill>
-                <a:highlight>
-                  <a:srgbClr val="FFFFFF"/>
-                </a:highlight>
-                <a:latin typeface="Consolas" panose="020B0609020204030204" pitchFamily="49" charset="0"/>
-              </a:rPr>
-              <a:t> j = 0; j &lt; 10; j++)</a:t>
+              <a:rPr lang="nn-NO" sz="1200" dirty="0">
+                <a:solidFill>
+                  <a:srgbClr val="000000"/>
+                </a:solidFill>
+                <a:highlight>
+                  <a:srgbClr val="FFFFFF"/>
+                </a:highlight>
+                <a:latin typeface="Consolas" panose="020B0609020204030204" pitchFamily="49" charset="0"/>
+              </a:rPr>
+              <a:t> i = 0; i &lt; 10; i++)</a:t>
             </a:r>
           </a:p>
           <a:p>
@@ -5659,16 +5766,16 @@
               <a:buNone/>
             </a:pPr>
             <a:r>
-              <a:rPr lang="en-US" sz="4800" dirty="0">
-                <a:solidFill>
-                  <a:srgbClr val="000000"/>
-                </a:solidFill>
-                <a:highlight>
-                  <a:srgbClr val="FFFFFF"/>
-                </a:highlight>
-                <a:latin typeface="Consolas" panose="020B0609020204030204" pitchFamily="49" charset="0"/>
-              </a:rPr>
-              <a:t>            {</a:t>
+              <a:rPr lang="en-US" sz="1200" dirty="0">
+                <a:solidFill>
+                  <a:srgbClr val="000000"/>
+                </a:solidFill>
+                <a:highlight>
+                  <a:srgbClr val="FFFFFF"/>
+                </a:highlight>
+                <a:latin typeface="Consolas" panose="020B0609020204030204" pitchFamily="49" charset="0"/>
+              </a:rPr>
+              <a:t>                {</a:t>
             </a:r>
           </a:p>
           <a:p>
@@ -5676,7 +5783,512 @@
               <a:buNone/>
             </a:pPr>
             <a:r>
-              <a:rPr lang="nn-NO" sz="4800" dirty="0">
+              <a:rPr lang="en-US" sz="1200" dirty="0">
+                <a:solidFill>
+                  <a:srgbClr val="000000"/>
+                </a:solidFill>
+                <a:highlight>
+                  <a:srgbClr val="FFFFFF"/>
+                </a:highlight>
+                <a:latin typeface="Consolas" panose="020B0609020204030204" pitchFamily="49" charset="0"/>
+              </a:rPr>
+              <a:t>                    </a:t>
+            </a:r>
+            <a:r>
+              <a:rPr lang="en-US" sz="1200" dirty="0" err="1">
+                <a:solidFill>
+                  <a:srgbClr val="0000FF"/>
+                </a:solidFill>
+                <a:highlight>
+                  <a:srgbClr val="FFFFFF"/>
+                </a:highlight>
+                <a:latin typeface="Consolas" panose="020B0609020204030204" pitchFamily="49" charset="0"/>
+              </a:rPr>
+              <a:t>var</a:t>
+            </a:r>
+            <a:r>
+              <a:rPr lang="en-US" sz="1200" dirty="0">
+                <a:solidFill>
+                  <a:srgbClr val="000000"/>
+                </a:solidFill>
+                <a:highlight>
+                  <a:srgbClr val="FFFFFF"/>
+                </a:highlight>
+                <a:latin typeface="Consolas" panose="020B0609020204030204" pitchFamily="49" charset="0"/>
+              </a:rPr>
+              <a:t> email = </a:t>
+            </a:r>
+            <a:r>
+              <a:rPr lang="en-US" sz="1200" dirty="0">
+                <a:solidFill>
+                  <a:srgbClr val="A31515"/>
+                </a:solidFill>
+                <a:highlight>
+                  <a:srgbClr val="FFFFFF"/>
+                </a:highlight>
+                <a:latin typeface="Consolas" panose="020B0609020204030204" pitchFamily="49" charset="0"/>
+              </a:rPr>
+              <a:t>"user"</a:t>
+            </a:r>
+            <a:r>
+              <a:rPr lang="en-US" sz="1200" dirty="0">
+                <a:solidFill>
+                  <a:srgbClr val="000000"/>
+                </a:solidFill>
+                <a:highlight>
+                  <a:srgbClr val="FFFFFF"/>
+                </a:highlight>
+                <a:latin typeface="Consolas" panose="020B0609020204030204" pitchFamily="49" charset="0"/>
+              </a:rPr>
+              <a:t> + (</a:t>
+            </a:r>
+            <a:r>
+              <a:rPr lang="en-US" sz="1200" dirty="0" err="1">
+                <a:solidFill>
+                  <a:srgbClr val="000000"/>
+                </a:solidFill>
+                <a:highlight>
+                  <a:srgbClr val="FFFFFF"/>
+                </a:highlight>
+                <a:latin typeface="Consolas" panose="020B0609020204030204" pitchFamily="49" charset="0"/>
+              </a:rPr>
+              <a:t>i</a:t>
+            </a:r>
+            <a:r>
+              <a:rPr lang="en-US" sz="1200" dirty="0">
+                <a:solidFill>
+                  <a:srgbClr val="000000"/>
+                </a:solidFill>
+                <a:highlight>
+                  <a:srgbClr val="FFFFFF"/>
+                </a:highlight>
+                <a:latin typeface="Consolas" panose="020B0609020204030204" pitchFamily="49" charset="0"/>
+              </a:rPr>
+              <a:t> * 3) + </a:t>
+            </a:r>
+            <a:r>
+              <a:rPr lang="en-US" sz="1200" dirty="0">
+                <a:solidFill>
+                  <a:srgbClr val="A31515"/>
+                </a:solidFill>
+                <a:highlight>
+                  <a:srgbClr val="FFFFFF"/>
+                </a:highlight>
+                <a:latin typeface="Consolas" panose="020B0609020204030204" pitchFamily="49" charset="0"/>
+              </a:rPr>
+              <a:t>"@example.com"</a:t>
+            </a:r>
+            <a:r>
+              <a:rPr lang="en-US" sz="1200" dirty="0">
+                <a:solidFill>
+                  <a:srgbClr val="000000"/>
+                </a:solidFill>
+                <a:highlight>
+                  <a:srgbClr val="FFFFFF"/>
+                </a:highlight>
+                <a:latin typeface="Consolas" panose="020B0609020204030204" pitchFamily="49" charset="0"/>
+              </a:rPr>
+              <a:t>;</a:t>
+            </a:r>
+          </a:p>
+          <a:p>
+            <a:pPr marL="0" indent="0">
+              <a:buNone/>
+            </a:pPr>
+            <a:r>
+              <a:rPr lang="en-US" sz="1200" dirty="0">
+                <a:solidFill>
+                  <a:srgbClr val="000000"/>
+                </a:solidFill>
+                <a:highlight>
+                  <a:srgbClr val="FFFFFF"/>
+                </a:highlight>
+                <a:latin typeface="Consolas" panose="020B0609020204030204" pitchFamily="49" charset="0"/>
+              </a:rPr>
+              <a:t>                    </a:t>
+            </a:r>
+            <a:r>
+              <a:rPr lang="en-US" sz="1200" dirty="0">
+                <a:solidFill>
+                  <a:srgbClr val="0000FF"/>
+                </a:solidFill>
+                <a:highlight>
+                  <a:srgbClr val="FFFFFF"/>
+                </a:highlight>
+                <a:latin typeface="Consolas" panose="020B0609020204030204" pitchFamily="49" charset="0"/>
+              </a:rPr>
+              <a:t>string</a:t>
+            </a:r>
+            <a:r>
+              <a:rPr lang="en-US" sz="1200" dirty="0">
+                <a:solidFill>
+                  <a:srgbClr val="000000"/>
+                </a:solidFill>
+                <a:highlight>
+                  <a:srgbClr val="FFFFFF"/>
+                </a:highlight>
+                <a:latin typeface="Consolas" panose="020B0609020204030204" pitchFamily="49" charset="0"/>
+              </a:rPr>
+              <a:t> phone = </a:t>
+            </a:r>
+            <a:r>
+              <a:rPr lang="en-US" sz="1200" dirty="0">
+                <a:solidFill>
+                  <a:srgbClr val="A31515"/>
+                </a:solidFill>
+                <a:highlight>
+                  <a:srgbClr val="FFFFFF"/>
+                </a:highlight>
+                <a:latin typeface="Consolas" panose="020B0609020204030204" pitchFamily="49" charset="0"/>
+              </a:rPr>
+              <a:t>"12345678"</a:t>
+            </a:r>
+            <a:r>
+              <a:rPr lang="en-US" sz="1200" dirty="0">
+                <a:solidFill>
+                  <a:srgbClr val="000000"/>
+                </a:solidFill>
+                <a:highlight>
+                  <a:srgbClr val="FFFFFF"/>
+                </a:highlight>
+                <a:latin typeface="Consolas" panose="020B0609020204030204" pitchFamily="49" charset="0"/>
+              </a:rPr>
+              <a:t> + (</a:t>
+            </a:r>
+            <a:r>
+              <a:rPr lang="en-US" sz="1200" dirty="0" err="1">
+                <a:solidFill>
+                  <a:srgbClr val="000000"/>
+                </a:solidFill>
+                <a:highlight>
+                  <a:srgbClr val="FFFFFF"/>
+                </a:highlight>
+                <a:latin typeface="Consolas" panose="020B0609020204030204" pitchFamily="49" charset="0"/>
+              </a:rPr>
+              <a:t>i</a:t>
+            </a:r>
+            <a:r>
+              <a:rPr lang="en-US" sz="1200" dirty="0">
+                <a:solidFill>
+                  <a:srgbClr val="000000"/>
+                </a:solidFill>
+                <a:highlight>
+                  <a:srgbClr val="FFFFFF"/>
+                </a:highlight>
+                <a:latin typeface="Consolas" panose="020B0609020204030204" pitchFamily="49" charset="0"/>
+              </a:rPr>
+              <a:t> * 100 + </a:t>
+            </a:r>
+            <a:r>
+              <a:rPr lang="en-US" sz="1200" dirty="0" err="1">
+                <a:solidFill>
+                  <a:srgbClr val="000000"/>
+                </a:solidFill>
+                <a:highlight>
+                  <a:srgbClr val="FFFFFF"/>
+                </a:highlight>
+                <a:latin typeface="Consolas" panose="020B0609020204030204" pitchFamily="49" charset="0"/>
+              </a:rPr>
+              <a:t>i</a:t>
+            </a:r>
+            <a:r>
+              <a:rPr lang="en-US" sz="1200" dirty="0">
+                <a:solidFill>
+                  <a:srgbClr val="000000"/>
+                </a:solidFill>
+                <a:highlight>
+                  <a:srgbClr val="FFFFFF"/>
+                </a:highlight>
+                <a:latin typeface="Consolas" panose="020B0609020204030204" pitchFamily="49" charset="0"/>
+              </a:rPr>
+              <a:t>);</a:t>
+            </a:r>
+          </a:p>
+          <a:p>
+            <a:pPr marL="0" indent="0">
+              <a:buNone/>
+            </a:pPr>
+            <a:r>
+              <a:rPr lang="en-US" sz="1200" dirty="0">
+                <a:solidFill>
+                  <a:srgbClr val="000000"/>
+                </a:solidFill>
+                <a:highlight>
+                  <a:srgbClr val="FFFFFF"/>
+                </a:highlight>
+                <a:latin typeface="Consolas" panose="020B0609020204030204" pitchFamily="49" charset="0"/>
+              </a:rPr>
+              <a:t>                    </a:t>
+            </a:r>
+            <a:r>
+              <a:rPr lang="en-US" sz="1200" dirty="0" err="1">
+                <a:solidFill>
+                  <a:srgbClr val="0000FF"/>
+                </a:solidFill>
+                <a:highlight>
+                  <a:srgbClr val="FFFFFF"/>
+                </a:highlight>
+                <a:latin typeface="Consolas" panose="020B0609020204030204" pitchFamily="49" charset="0"/>
+              </a:rPr>
+              <a:t>var</a:t>
+            </a:r>
+            <a:r>
+              <a:rPr lang="en-US" sz="1200" dirty="0">
+                <a:solidFill>
+                  <a:srgbClr val="000000"/>
+                </a:solidFill>
+                <a:highlight>
+                  <a:srgbClr val="FFFFFF"/>
+                </a:highlight>
+                <a:latin typeface="Consolas" panose="020B0609020204030204" pitchFamily="49" charset="0"/>
+              </a:rPr>
+              <a:t> </a:t>
+            </a:r>
+            <a:r>
+              <a:rPr lang="en-US" sz="1200" dirty="0" err="1">
+                <a:solidFill>
+                  <a:srgbClr val="000000"/>
+                </a:solidFill>
+                <a:highlight>
+                  <a:srgbClr val="FFFFFF"/>
+                </a:highlight>
+                <a:latin typeface="Consolas" panose="020B0609020204030204" pitchFamily="49" charset="0"/>
+              </a:rPr>
+              <a:t>tempuser</a:t>
+            </a:r>
+            <a:r>
+              <a:rPr lang="en-US" sz="1200" dirty="0">
+                <a:solidFill>
+                  <a:srgbClr val="000000"/>
+                </a:solidFill>
+                <a:highlight>
+                  <a:srgbClr val="FFFFFF"/>
+                </a:highlight>
+                <a:latin typeface="Consolas" panose="020B0609020204030204" pitchFamily="49" charset="0"/>
+              </a:rPr>
+              <a:t> = </a:t>
+            </a:r>
+            <a:r>
+              <a:rPr lang="en-US" sz="1200" dirty="0">
+                <a:solidFill>
+                  <a:srgbClr val="0000FF"/>
+                </a:solidFill>
+                <a:highlight>
+                  <a:srgbClr val="FFFFFF"/>
+                </a:highlight>
+                <a:latin typeface="Consolas" panose="020B0609020204030204" pitchFamily="49" charset="0"/>
+              </a:rPr>
+              <a:t>new</a:t>
+            </a:r>
+            <a:r>
+              <a:rPr lang="en-US" sz="1200" dirty="0">
+                <a:solidFill>
+                  <a:srgbClr val="000000"/>
+                </a:solidFill>
+                <a:highlight>
+                  <a:srgbClr val="FFFFFF"/>
+                </a:highlight>
+                <a:latin typeface="Consolas" panose="020B0609020204030204" pitchFamily="49" charset="0"/>
+              </a:rPr>
+              <a:t> </a:t>
+            </a:r>
+            <a:r>
+              <a:rPr lang="en-US" sz="1200" dirty="0" err="1" smtClean="0">
+                <a:solidFill>
+                  <a:srgbClr val="2B91AF"/>
+                </a:solidFill>
+                <a:highlight>
+                  <a:srgbClr val="FFFFFF"/>
+                </a:highlight>
+                <a:latin typeface="Consolas" panose="020B0609020204030204" pitchFamily="49" charset="0"/>
+              </a:rPr>
+              <a:t>IdentityUser</a:t>
+            </a:r>
+            <a:r>
+              <a:rPr lang="en-US" sz="1200" dirty="0" smtClean="0">
+                <a:solidFill>
+                  <a:srgbClr val="000000"/>
+                </a:solidFill>
+                <a:highlight>
+                  <a:srgbClr val="FFFFFF"/>
+                </a:highlight>
+                <a:latin typeface="Consolas" panose="020B0609020204030204" pitchFamily="49" charset="0"/>
+              </a:rPr>
+              <a:t>() </a:t>
+            </a:r>
+          </a:p>
+          <a:p>
+            <a:pPr marL="0" indent="0">
+              <a:buNone/>
+            </a:pPr>
+            <a:r>
+              <a:rPr lang="en-US" sz="1200" dirty="0">
+                <a:solidFill>
+                  <a:srgbClr val="000000"/>
+                </a:solidFill>
+                <a:highlight>
+                  <a:srgbClr val="FFFFFF"/>
+                </a:highlight>
+                <a:latin typeface="Consolas" panose="020B0609020204030204" pitchFamily="49" charset="0"/>
+              </a:rPr>
+              <a:t> </a:t>
+            </a:r>
+            <a:r>
+              <a:rPr lang="en-US" sz="1200" dirty="0" smtClean="0">
+                <a:solidFill>
+                  <a:srgbClr val="000000"/>
+                </a:solidFill>
+                <a:highlight>
+                  <a:srgbClr val="FFFFFF"/>
+                </a:highlight>
+                <a:latin typeface="Consolas" panose="020B0609020204030204" pitchFamily="49" charset="0"/>
+              </a:rPr>
+              <a:t>                  { </a:t>
+            </a:r>
+            <a:r>
+              <a:rPr lang="en-US" sz="1200" dirty="0" err="1">
+                <a:solidFill>
+                  <a:srgbClr val="000000"/>
+                </a:solidFill>
+                <a:highlight>
+                  <a:srgbClr val="FFFFFF"/>
+                </a:highlight>
+                <a:latin typeface="Consolas" panose="020B0609020204030204" pitchFamily="49" charset="0"/>
+              </a:rPr>
+              <a:t>UserName</a:t>
+            </a:r>
+            <a:r>
+              <a:rPr lang="en-US" sz="1200" dirty="0">
+                <a:solidFill>
+                  <a:srgbClr val="000000"/>
+                </a:solidFill>
+                <a:highlight>
+                  <a:srgbClr val="FFFFFF"/>
+                </a:highlight>
+                <a:latin typeface="Consolas" panose="020B0609020204030204" pitchFamily="49" charset="0"/>
+              </a:rPr>
+              <a:t> = email, Email = email, </a:t>
+            </a:r>
+            <a:r>
+              <a:rPr lang="en-US" sz="1200" dirty="0" err="1">
+                <a:solidFill>
+                  <a:srgbClr val="000000"/>
+                </a:solidFill>
+                <a:highlight>
+                  <a:srgbClr val="FFFFFF"/>
+                </a:highlight>
+                <a:latin typeface="Consolas" panose="020B0609020204030204" pitchFamily="49" charset="0"/>
+              </a:rPr>
+              <a:t>PhoneNumber</a:t>
+            </a:r>
+            <a:r>
+              <a:rPr lang="en-US" sz="1200" dirty="0">
+                <a:solidFill>
+                  <a:srgbClr val="000000"/>
+                </a:solidFill>
+                <a:highlight>
+                  <a:srgbClr val="FFFFFF"/>
+                </a:highlight>
+                <a:latin typeface="Consolas" panose="020B0609020204030204" pitchFamily="49" charset="0"/>
+              </a:rPr>
+              <a:t> = phone };</a:t>
+            </a:r>
+          </a:p>
+          <a:p>
+            <a:pPr marL="0" indent="0">
+              <a:buNone/>
+            </a:pPr>
+            <a:r>
+              <a:rPr lang="en-US" sz="1200" dirty="0">
+                <a:solidFill>
+                  <a:srgbClr val="000000"/>
+                </a:solidFill>
+                <a:highlight>
+                  <a:srgbClr val="FFFFFF"/>
+                </a:highlight>
+                <a:latin typeface="Consolas" panose="020B0609020204030204" pitchFamily="49" charset="0"/>
+              </a:rPr>
+              <a:t>                    </a:t>
+            </a:r>
+            <a:r>
+              <a:rPr lang="en-US" sz="1200" dirty="0" err="1">
+                <a:solidFill>
+                  <a:srgbClr val="000000"/>
+                </a:solidFill>
+                <a:highlight>
+                  <a:srgbClr val="FFFFFF"/>
+                </a:highlight>
+                <a:latin typeface="Consolas" panose="020B0609020204030204" pitchFamily="49" charset="0"/>
+              </a:rPr>
+              <a:t>usermanager.Create</a:t>
+            </a:r>
+            <a:r>
+              <a:rPr lang="en-US" sz="1200" dirty="0">
+                <a:solidFill>
+                  <a:srgbClr val="000000"/>
+                </a:solidFill>
+                <a:highlight>
+                  <a:srgbClr val="FFFFFF"/>
+                </a:highlight>
+                <a:latin typeface="Consolas" panose="020B0609020204030204" pitchFamily="49" charset="0"/>
+              </a:rPr>
+              <a:t>(</a:t>
+            </a:r>
+            <a:r>
+              <a:rPr lang="en-US" sz="1200" dirty="0" err="1">
+                <a:solidFill>
+                  <a:srgbClr val="000000"/>
+                </a:solidFill>
+                <a:highlight>
+                  <a:srgbClr val="FFFFFF"/>
+                </a:highlight>
+                <a:latin typeface="Consolas" panose="020B0609020204030204" pitchFamily="49" charset="0"/>
+              </a:rPr>
+              <a:t>tempuser</a:t>
+            </a:r>
+            <a:r>
+              <a:rPr lang="en-US" sz="1200" dirty="0">
+                <a:solidFill>
+                  <a:srgbClr val="000000"/>
+                </a:solidFill>
+                <a:highlight>
+                  <a:srgbClr val="FFFFFF"/>
+                </a:highlight>
+                <a:latin typeface="Consolas" panose="020B0609020204030204" pitchFamily="49" charset="0"/>
+              </a:rPr>
+              <a:t>, </a:t>
+            </a:r>
+            <a:r>
+              <a:rPr lang="en-US" sz="1200" dirty="0">
+                <a:solidFill>
+                  <a:srgbClr val="A31515"/>
+                </a:solidFill>
+                <a:highlight>
+                  <a:srgbClr val="FFFFFF"/>
+                </a:highlight>
+                <a:latin typeface="Consolas" panose="020B0609020204030204" pitchFamily="49" charset="0"/>
+              </a:rPr>
+              <a:t>"ASP+Rocks4U"</a:t>
+            </a:r>
+            <a:r>
+              <a:rPr lang="en-US" sz="1200" dirty="0">
+                <a:solidFill>
+                  <a:srgbClr val="000000"/>
+                </a:solidFill>
+                <a:highlight>
+                  <a:srgbClr val="FFFFFF"/>
+                </a:highlight>
+                <a:latin typeface="Consolas" panose="020B0609020204030204" pitchFamily="49" charset="0"/>
+              </a:rPr>
+              <a:t>);</a:t>
+            </a:r>
+          </a:p>
+          <a:p>
+            <a:pPr marL="0" indent="0">
+              <a:buNone/>
+            </a:pPr>
+            <a:r>
+              <a:rPr lang="en-US" sz="1200" dirty="0">
                 <a:solidFill>
                   <a:srgbClr val="000000"/>
                 </a:solidFill>
@@ -5688,458 +6300,18 @@
               <a:t>                </a:t>
             </a:r>
             <a:r>
-              <a:rPr lang="nn-NO" sz="4800" dirty="0">
-                <a:solidFill>
-                  <a:srgbClr val="0000FF"/>
-                </a:solidFill>
-                <a:highlight>
-                  <a:srgbClr val="FFFFFF"/>
-                </a:highlight>
-                <a:latin typeface="Consolas" panose="020B0609020204030204" pitchFamily="49" charset="0"/>
-              </a:rPr>
-              <a:t>for</a:t>
-            </a:r>
-            <a:r>
-              <a:rPr lang="nn-NO" sz="4800" dirty="0">
-                <a:solidFill>
-                  <a:srgbClr val="000000"/>
-                </a:solidFill>
-                <a:highlight>
-                  <a:srgbClr val="FFFFFF"/>
-                </a:highlight>
-                <a:latin typeface="Consolas" panose="020B0609020204030204" pitchFamily="49" charset="0"/>
-              </a:rPr>
-              <a:t> (</a:t>
-            </a:r>
-            <a:r>
-              <a:rPr lang="nn-NO" sz="4800" dirty="0">
-                <a:solidFill>
-                  <a:srgbClr val="0000FF"/>
-                </a:solidFill>
-                <a:highlight>
-                  <a:srgbClr val="FFFFFF"/>
-                </a:highlight>
-                <a:latin typeface="Consolas" panose="020B0609020204030204" pitchFamily="49" charset="0"/>
-              </a:rPr>
-              <a:t>int</a:t>
-            </a:r>
-            <a:r>
-              <a:rPr lang="nn-NO" sz="4800" dirty="0">
-                <a:solidFill>
-                  <a:srgbClr val="000000"/>
-                </a:solidFill>
-                <a:highlight>
-                  <a:srgbClr val="FFFFFF"/>
-                </a:highlight>
-                <a:latin typeface="Consolas" panose="020B0609020204030204" pitchFamily="49" charset="0"/>
-              </a:rPr>
-              <a:t> i = 0; i &lt; 10; i++)</a:t>
-            </a:r>
-          </a:p>
-          <a:p>
-            <a:pPr marL="0" indent="0">
-              <a:buNone/>
-            </a:pPr>
-            <a:r>
-              <a:rPr lang="en-US" sz="4800" dirty="0">
-                <a:solidFill>
-                  <a:srgbClr val="000000"/>
-                </a:solidFill>
-                <a:highlight>
-                  <a:srgbClr val="FFFFFF"/>
-                </a:highlight>
-                <a:latin typeface="Consolas" panose="020B0609020204030204" pitchFamily="49" charset="0"/>
-              </a:rPr>
-              <a:t>                {</a:t>
-            </a:r>
-          </a:p>
-          <a:p>
-            <a:pPr marL="0" indent="0">
-              <a:buNone/>
-            </a:pPr>
-            <a:r>
-              <a:rPr lang="en-US" sz="4800" dirty="0">
-                <a:solidFill>
-                  <a:srgbClr val="000000"/>
-                </a:solidFill>
-                <a:highlight>
-                  <a:srgbClr val="FFFFFF"/>
-                </a:highlight>
-                <a:latin typeface="Consolas" panose="020B0609020204030204" pitchFamily="49" charset="0"/>
-              </a:rPr>
-              <a:t>                    </a:t>
-            </a:r>
-            <a:r>
-              <a:rPr lang="en-US" sz="4800" dirty="0">
-                <a:solidFill>
-                  <a:srgbClr val="0000FF"/>
-                </a:solidFill>
-                <a:highlight>
-                  <a:srgbClr val="FFFFFF"/>
-                </a:highlight>
-                <a:latin typeface="Consolas" panose="020B0609020204030204" pitchFamily="49" charset="0"/>
-              </a:rPr>
-              <a:t>var</a:t>
-            </a:r>
-            <a:r>
-              <a:rPr lang="en-US" sz="4800" dirty="0">
-                <a:solidFill>
-                  <a:srgbClr val="000000"/>
-                </a:solidFill>
-                <a:highlight>
-                  <a:srgbClr val="FFFFFF"/>
-                </a:highlight>
-                <a:latin typeface="Consolas" panose="020B0609020204030204" pitchFamily="49" charset="0"/>
-              </a:rPr>
-              <a:t> email = </a:t>
-            </a:r>
-            <a:r>
-              <a:rPr lang="en-US" sz="4800" dirty="0">
-                <a:solidFill>
-                  <a:srgbClr val="A31515"/>
-                </a:solidFill>
-                <a:highlight>
-                  <a:srgbClr val="FFFFFF"/>
-                </a:highlight>
-                <a:latin typeface="Consolas" panose="020B0609020204030204" pitchFamily="49" charset="0"/>
-              </a:rPr>
-              <a:t>"user"</a:t>
-            </a:r>
-            <a:r>
-              <a:rPr lang="en-US" sz="4800" dirty="0">
-                <a:solidFill>
-                  <a:srgbClr val="000000"/>
-                </a:solidFill>
-                <a:highlight>
-                  <a:srgbClr val="FFFFFF"/>
-                </a:highlight>
-                <a:latin typeface="Consolas" panose="020B0609020204030204" pitchFamily="49" charset="0"/>
-              </a:rPr>
-              <a:t> + ((j * 100) + </a:t>
-            </a:r>
-            <a:r>
-              <a:rPr lang="en-US" sz="4800" dirty="0" err="1">
-                <a:solidFill>
-                  <a:srgbClr val="000000"/>
-                </a:solidFill>
-                <a:highlight>
-                  <a:srgbClr val="FFFFFF"/>
-                </a:highlight>
-                <a:latin typeface="Consolas" panose="020B0609020204030204" pitchFamily="49" charset="0"/>
-              </a:rPr>
-              <a:t>i</a:t>
-            </a:r>
-            <a:r>
-              <a:rPr lang="en-US" sz="4800" dirty="0">
-                <a:solidFill>
-                  <a:srgbClr val="000000"/>
-                </a:solidFill>
-                <a:highlight>
-                  <a:srgbClr val="FFFFFF"/>
-                </a:highlight>
-                <a:latin typeface="Consolas" panose="020B0609020204030204" pitchFamily="49" charset="0"/>
-              </a:rPr>
-              <a:t>) + </a:t>
-            </a:r>
-            <a:r>
-              <a:rPr lang="en-US" sz="4800" dirty="0">
-                <a:solidFill>
-                  <a:srgbClr val="A31515"/>
-                </a:solidFill>
-                <a:highlight>
-                  <a:srgbClr val="FFFFFF"/>
-                </a:highlight>
-                <a:latin typeface="Consolas" panose="020B0609020204030204" pitchFamily="49" charset="0"/>
-              </a:rPr>
-              <a:t>"@example.com"</a:t>
-            </a:r>
-            <a:r>
-              <a:rPr lang="en-US" sz="4800" dirty="0">
-                <a:solidFill>
-                  <a:srgbClr val="000000"/>
-                </a:solidFill>
-                <a:highlight>
-                  <a:srgbClr val="FFFFFF"/>
-                </a:highlight>
-                <a:latin typeface="Consolas" panose="020B0609020204030204" pitchFamily="49" charset="0"/>
-              </a:rPr>
-              <a:t>;</a:t>
-            </a:r>
-          </a:p>
-          <a:p>
-            <a:pPr marL="0" indent="0">
-              <a:buNone/>
-            </a:pPr>
-            <a:r>
-              <a:rPr lang="en-US" sz="4800" dirty="0">
-                <a:solidFill>
-                  <a:srgbClr val="000000"/>
-                </a:solidFill>
-                <a:highlight>
-                  <a:srgbClr val="FFFFFF"/>
-                </a:highlight>
-                <a:latin typeface="Consolas" panose="020B0609020204030204" pitchFamily="49" charset="0"/>
-              </a:rPr>
-              <a:t>               </a:t>
-            </a:r>
-            <a:r>
-              <a:rPr lang="en-US" sz="4800" dirty="0" smtClean="0">
-                <a:solidFill>
-                  <a:srgbClr val="000000"/>
-                </a:solidFill>
-                <a:highlight>
-                  <a:srgbClr val="FFFFFF"/>
-                </a:highlight>
-                <a:latin typeface="Consolas" panose="020B0609020204030204" pitchFamily="49" charset="0"/>
-              </a:rPr>
-              <a:t>     </a:t>
-            </a:r>
-            <a:r>
-              <a:rPr lang="en-US" sz="4800" dirty="0" smtClean="0">
-                <a:solidFill>
-                  <a:srgbClr val="0000FF"/>
-                </a:solidFill>
-                <a:highlight>
-                  <a:srgbClr val="FFFFFF"/>
-                </a:highlight>
-                <a:latin typeface="Consolas" panose="020B0609020204030204" pitchFamily="49" charset="0"/>
-              </a:rPr>
-              <a:t>string</a:t>
-            </a:r>
-            <a:r>
-              <a:rPr lang="en-US" sz="4800" dirty="0" smtClean="0">
-                <a:solidFill>
-                  <a:srgbClr val="000000"/>
-                </a:solidFill>
-                <a:highlight>
-                  <a:srgbClr val="FFFFFF"/>
-                </a:highlight>
-                <a:latin typeface="Consolas" panose="020B0609020204030204" pitchFamily="49" charset="0"/>
-              </a:rPr>
-              <a:t> </a:t>
-            </a:r>
-            <a:r>
-              <a:rPr lang="en-US" sz="4800" dirty="0">
-                <a:solidFill>
-                  <a:srgbClr val="000000"/>
-                </a:solidFill>
-                <a:highlight>
-                  <a:srgbClr val="FFFFFF"/>
-                </a:highlight>
-                <a:latin typeface="Consolas" panose="020B0609020204030204" pitchFamily="49" charset="0"/>
-              </a:rPr>
-              <a:t>phone = </a:t>
-            </a:r>
-            <a:r>
-              <a:rPr lang="en-US" sz="4800" dirty="0">
-                <a:solidFill>
-                  <a:srgbClr val="A31515"/>
-                </a:solidFill>
-                <a:highlight>
-                  <a:srgbClr val="FFFFFF"/>
-                </a:highlight>
-                <a:latin typeface="Consolas" panose="020B0609020204030204" pitchFamily="49" charset="0"/>
-              </a:rPr>
-              <a:t>"12345678"</a:t>
-            </a:r>
-            <a:r>
-              <a:rPr lang="en-US" sz="4800" dirty="0">
-                <a:solidFill>
-                  <a:srgbClr val="000000"/>
-                </a:solidFill>
-                <a:highlight>
-                  <a:srgbClr val="FFFFFF"/>
-                </a:highlight>
-                <a:latin typeface="Consolas" panose="020B0609020204030204" pitchFamily="49" charset="0"/>
-              </a:rPr>
-              <a:t> + (j * 100 + </a:t>
-            </a:r>
-            <a:r>
-              <a:rPr lang="en-US" sz="4800" dirty="0" err="1">
-                <a:solidFill>
-                  <a:srgbClr val="000000"/>
-                </a:solidFill>
-                <a:highlight>
-                  <a:srgbClr val="FFFFFF"/>
-                </a:highlight>
-                <a:latin typeface="Consolas" panose="020B0609020204030204" pitchFamily="49" charset="0"/>
-              </a:rPr>
-              <a:t>i</a:t>
-            </a:r>
-            <a:r>
-              <a:rPr lang="en-US" sz="4800" dirty="0">
-                <a:solidFill>
-                  <a:srgbClr val="000000"/>
-                </a:solidFill>
-                <a:highlight>
-                  <a:srgbClr val="FFFFFF"/>
-                </a:highlight>
-                <a:latin typeface="Consolas" panose="020B0609020204030204" pitchFamily="49" charset="0"/>
-              </a:rPr>
-              <a:t>);</a:t>
-            </a:r>
-          </a:p>
-          <a:p>
-            <a:pPr marL="0" indent="0">
-              <a:buNone/>
-            </a:pPr>
-            <a:r>
-              <a:rPr lang="en-US" sz="4800" dirty="0">
-                <a:solidFill>
-                  <a:srgbClr val="000000"/>
-                </a:solidFill>
-                <a:highlight>
-                  <a:srgbClr val="FFFFFF"/>
-                </a:highlight>
-                <a:latin typeface="Consolas" panose="020B0609020204030204" pitchFamily="49" charset="0"/>
-              </a:rPr>
-              <a:t>               </a:t>
-            </a:r>
-            <a:r>
-              <a:rPr lang="en-US" sz="4800" dirty="0" smtClean="0">
-                <a:solidFill>
-                  <a:srgbClr val="000000"/>
-                </a:solidFill>
-                <a:highlight>
-                  <a:srgbClr val="FFFFFF"/>
-                </a:highlight>
-                <a:latin typeface="Consolas" panose="020B0609020204030204" pitchFamily="49" charset="0"/>
-              </a:rPr>
-              <a:t>     </a:t>
-            </a:r>
-            <a:r>
-              <a:rPr lang="en-US" sz="4800" dirty="0" smtClean="0">
-                <a:solidFill>
-                  <a:srgbClr val="0000FF"/>
-                </a:solidFill>
-                <a:highlight>
-                  <a:srgbClr val="FFFFFF"/>
-                </a:highlight>
-                <a:latin typeface="Consolas" panose="020B0609020204030204" pitchFamily="49" charset="0"/>
-              </a:rPr>
-              <a:t>var</a:t>
-            </a:r>
-            <a:r>
-              <a:rPr lang="en-US" sz="4800" dirty="0" smtClean="0">
-                <a:solidFill>
-                  <a:srgbClr val="000000"/>
-                </a:solidFill>
-                <a:highlight>
-                  <a:srgbClr val="FFFFFF"/>
-                </a:highlight>
-                <a:latin typeface="Consolas" panose="020B0609020204030204" pitchFamily="49" charset="0"/>
-              </a:rPr>
-              <a:t> </a:t>
-            </a:r>
-            <a:r>
-              <a:rPr lang="en-US" sz="4800" dirty="0">
-                <a:solidFill>
-                  <a:srgbClr val="000000"/>
-                </a:solidFill>
-                <a:highlight>
-                  <a:srgbClr val="FFFFFF"/>
-                </a:highlight>
-                <a:latin typeface="Consolas" panose="020B0609020204030204" pitchFamily="49" charset="0"/>
-              </a:rPr>
-              <a:t>tempuser = </a:t>
-            </a:r>
-            <a:r>
-              <a:rPr lang="en-US" sz="4800" dirty="0">
-                <a:solidFill>
-                  <a:srgbClr val="0000FF"/>
-                </a:solidFill>
-                <a:highlight>
-                  <a:srgbClr val="FFFFFF"/>
-                </a:highlight>
-                <a:latin typeface="Consolas" panose="020B0609020204030204" pitchFamily="49" charset="0"/>
-              </a:rPr>
-              <a:t>new</a:t>
-            </a:r>
-            <a:r>
-              <a:rPr lang="en-US" sz="4800" dirty="0">
-                <a:solidFill>
-                  <a:srgbClr val="000000"/>
-                </a:solidFill>
-                <a:highlight>
-                  <a:srgbClr val="FFFFFF"/>
-                </a:highlight>
-                <a:latin typeface="Consolas" panose="020B0609020204030204" pitchFamily="49" charset="0"/>
-              </a:rPr>
-              <a:t> </a:t>
-            </a:r>
-            <a:r>
-              <a:rPr lang="en-US" sz="4800" dirty="0">
-                <a:solidFill>
-                  <a:srgbClr val="2B91AF"/>
-                </a:solidFill>
-                <a:highlight>
-                  <a:srgbClr val="FFFFFF"/>
-                </a:highlight>
-                <a:latin typeface="Consolas" panose="020B0609020204030204" pitchFamily="49" charset="0"/>
-              </a:rPr>
-              <a:t>IdentityUser</a:t>
-            </a:r>
-            <a:r>
-              <a:rPr lang="en-US" sz="4800" dirty="0" smtClean="0">
-                <a:solidFill>
-                  <a:srgbClr val="000000"/>
-                </a:solidFill>
-                <a:highlight>
-                  <a:srgbClr val="FFFFFF"/>
-                </a:highlight>
-                <a:latin typeface="Consolas" panose="020B0609020204030204" pitchFamily="49" charset="0"/>
-              </a:rPr>
-              <a:t>(){UserName=</a:t>
-            </a:r>
-            <a:r>
-              <a:rPr lang="en-US" sz="4800" dirty="0" err="1" smtClean="0">
-                <a:solidFill>
-                  <a:srgbClr val="000000"/>
-                </a:solidFill>
-                <a:highlight>
-                  <a:srgbClr val="FFFFFF"/>
-                </a:highlight>
-                <a:latin typeface="Consolas" panose="020B0609020204030204" pitchFamily="49" charset="0"/>
-              </a:rPr>
-              <a:t>email,Email</a:t>
-            </a:r>
-            <a:r>
-              <a:rPr lang="en-US" sz="4800" dirty="0" smtClean="0">
-                <a:solidFill>
-                  <a:srgbClr val="000000"/>
-                </a:solidFill>
-                <a:highlight>
-                  <a:srgbClr val="FFFFFF"/>
-                </a:highlight>
-                <a:latin typeface="Consolas" panose="020B0609020204030204" pitchFamily="49" charset="0"/>
-              </a:rPr>
-              <a:t>=</a:t>
-            </a:r>
-            <a:r>
-              <a:rPr lang="en-US" sz="4800" dirty="0" err="1" smtClean="0">
-                <a:solidFill>
-                  <a:srgbClr val="000000"/>
-                </a:solidFill>
-                <a:highlight>
-                  <a:srgbClr val="FFFFFF"/>
-                </a:highlight>
-                <a:latin typeface="Consolas" panose="020B0609020204030204" pitchFamily="49" charset="0"/>
-              </a:rPr>
-              <a:t>email,PhoneNumber</a:t>
-            </a:r>
-            <a:r>
-              <a:rPr lang="en-US" sz="4800" dirty="0" smtClean="0">
-                <a:solidFill>
-                  <a:srgbClr val="000000"/>
-                </a:solidFill>
-                <a:highlight>
-                  <a:srgbClr val="FFFFFF"/>
-                </a:highlight>
-                <a:latin typeface="Consolas" panose="020B0609020204030204" pitchFamily="49" charset="0"/>
-              </a:rPr>
-              <a:t>=phone};</a:t>
-            </a:r>
-            <a:endParaRPr lang="en-US" sz="4800" dirty="0">
+              <a:rPr lang="en-US" sz="1200" dirty="0" smtClean="0">
+                <a:solidFill>
+                  <a:srgbClr val="000000"/>
+                </a:solidFill>
+                <a:highlight>
+                  <a:srgbClr val="FFFFFF"/>
+                </a:highlight>
+                <a:latin typeface="Consolas" panose="020B0609020204030204" pitchFamily="49" charset="0"/>
+              </a:rPr>
+              <a:t>}</a:t>
+            </a:r>
+            <a:endParaRPr lang="en-US" sz="1200" dirty="0">
               <a:solidFill>
                 <a:srgbClr val="000000"/>
               </a:solidFill>
@@ -6154,88 +6326,136 @@
               <a:buNone/>
             </a:pPr>
             <a:r>
-              <a:rPr lang="en-US" sz="4800" dirty="0">
-                <a:solidFill>
-                  <a:srgbClr val="000000"/>
-                </a:solidFill>
-                <a:highlight>
-                  <a:srgbClr val="FFFFFF"/>
-                </a:highlight>
-                <a:latin typeface="Consolas" panose="020B0609020204030204" pitchFamily="49" charset="0"/>
-              </a:rPr>
-              <a:t>                    </a:t>
-            </a:r>
-            <a:r>
-              <a:rPr lang="en-US" sz="4800" dirty="0" err="1">
-                <a:solidFill>
-                  <a:srgbClr val="000000"/>
-                </a:solidFill>
-                <a:highlight>
-                  <a:srgbClr val="FFFFFF"/>
-                </a:highlight>
-                <a:latin typeface="Consolas" panose="020B0609020204030204" pitchFamily="49" charset="0"/>
-              </a:rPr>
-              <a:t>usermanager.Create</a:t>
-            </a:r>
-            <a:r>
-              <a:rPr lang="en-US" sz="4800" dirty="0">
-                <a:solidFill>
-                  <a:srgbClr val="000000"/>
-                </a:solidFill>
-                <a:highlight>
-                  <a:srgbClr val="FFFFFF"/>
-                </a:highlight>
-                <a:latin typeface="Consolas" panose="020B0609020204030204" pitchFamily="49" charset="0"/>
-              </a:rPr>
-              <a:t>(</a:t>
-            </a:r>
-            <a:r>
-              <a:rPr lang="en-US" sz="4800" dirty="0" err="1">
-                <a:solidFill>
-                  <a:srgbClr val="000000"/>
-                </a:solidFill>
-                <a:highlight>
-                  <a:srgbClr val="FFFFFF"/>
-                </a:highlight>
-                <a:latin typeface="Consolas" panose="020B0609020204030204" pitchFamily="49" charset="0"/>
-              </a:rPr>
-              <a:t>tempuser</a:t>
-            </a:r>
-            <a:r>
-              <a:rPr lang="en-US" sz="4800" dirty="0">
-                <a:solidFill>
-                  <a:srgbClr val="000000"/>
-                </a:solidFill>
-                <a:highlight>
-                  <a:srgbClr val="FFFFFF"/>
-                </a:highlight>
-                <a:latin typeface="Consolas" panose="020B0609020204030204" pitchFamily="49" charset="0"/>
-              </a:rPr>
-              <a:t>, </a:t>
-            </a:r>
-            <a:r>
-              <a:rPr lang="en-US" sz="4800" dirty="0">
-                <a:solidFill>
-                  <a:srgbClr val="A31515"/>
-                </a:solidFill>
-                <a:highlight>
-                  <a:srgbClr val="FFFFFF"/>
-                </a:highlight>
-                <a:latin typeface="Consolas" panose="020B0609020204030204" pitchFamily="49" charset="0"/>
-              </a:rPr>
-              <a:t>"ASP+Rocks4U"</a:t>
-            </a:r>
-            <a:r>
-              <a:rPr lang="en-US" sz="4800" dirty="0">
-                <a:solidFill>
-                  <a:srgbClr val="000000"/>
-                </a:solidFill>
-                <a:highlight>
-                  <a:srgbClr val="FFFFFF"/>
-                </a:highlight>
-                <a:latin typeface="Consolas" panose="020B0609020204030204" pitchFamily="49" charset="0"/>
-              </a:rPr>
-              <a:t>);</a:t>
+              <a:rPr lang="en-US" sz="1200" dirty="0">
+                <a:solidFill>
+                  <a:srgbClr val="000000"/>
+                </a:solidFill>
+                <a:highlight>
+                  <a:srgbClr val="FFFFFF"/>
+                </a:highlight>
+                <a:latin typeface="Consolas" panose="020B0609020204030204" pitchFamily="49" charset="0"/>
+              </a:rPr>
+              <a:t>                </a:t>
+            </a:r>
+            <a:r>
+              <a:rPr lang="en-US" sz="1200" dirty="0" err="1">
+                <a:solidFill>
+                  <a:srgbClr val="0000FF"/>
+                </a:solidFill>
+                <a:highlight>
+                  <a:srgbClr val="FFFFFF"/>
+                </a:highlight>
+                <a:latin typeface="Consolas" panose="020B0609020204030204" pitchFamily="49" charset="0"/>
+              </a:rPr>
+              <a:t>var</a:t>
+            </a:r>
+            <a:r>
+              <a:rPr lang="en-US" sz="1200" dirty="0">
+                <a:solidFill>
+                  <a:srgbClr val="000000"/>
+                </a:solidFill>
+                <a:highlight>
+                  <a:srgbClr val="FFFFFF"/>
+                </a:highlight>
+                <a:latin typeface="Consolas" panose="020B0609020204030204" pitchFamily="49" charset="0"/>
+              </a:rPr>
+              <a:t> </a:t>
+            </a:r>
+            <a:r>
+              <a:rPr lang="en-US" sz="1200" dirty="0" err="1">
+                <a:solidFill>
+                  <a:srgbClr val="000000"/>
+                </a:solidFill>
+                <a:highlight>
+                  <a:srgbClr val="FFFFFF"/>
+                </a:highlight>
+                <a:latin typeface="Consolas" panose="020B0609020204030204" pitchFamily="49" charset="0"/>
+              </a:rPr>
+              <a:t>appstore</a:t>
+            </a:r>
+            <a:r>
+              <a:rPr lang="en-US" sz="1200" dirty="0">
+                <a:solidFill>
+                  <a:srgbClr val="000000"/>
+                </a:solidFill>
+                <a:highlight>
+                  <a:srgbClr val="FFFFFF"/>
+                </a:highlight>
+                <a:latin typeface="Consolas" panose="020B0609020204030204" pitchFamily="49" charset="0"/>
+              </a:rPr>
+              <a:t> = </a:t>
+            </a:r>
+            <a:r>
+              <a:rPr lang="en-US" sz="1200" dirty="0">
+                <a:solidFill>
+                  <a:srgbClr val="0000FF"/>
+                </a:solidFill>
+                <a:highlight>
+                  <a:srgbClr val="FFFFFF"/>
+                </a:highlight>
+                <a:latin typeface="Consolas" panose="020B0609020204030204" pitchFamily="49" charset="0"/>
+              </a:rPr>
+              <a:t>new</a:t>
+            </a:r>
+            <a:r>
+              <a:rPr lang="en-US" sz="1200" dirty="0">
+                <a:solidFill>
+                  <a:srgbClr val="000000"/>
+                </a:solidFill>
+                <a:highlight>
+                  <a:srgbClr val="FFFFFF"/>
+                </a:highlight>
+                <a:latin typeface="Consolas" panose="020B0609020204030204" pitchFamily="49" charset="0"/>
+              </a:rPr>
+              <a:t> </a:t>
+            </a:r>
+            <a:r>
+              <a:rPr lang="en-US" sz="1200" dirty="0" err="1">
+                <a:solidFill>
+                  <a:srgbClr val="2B91AF"/>
+                </a:solidFill>
+                <a:highlight>
+                  <a:srgbClr val="FFFFFF"/>
+                </a:highlight>
+                <a:latin typeface="Consolas" panose="020B0609020204030204" pitchFamily="49" charset="0"/>
+              </a:rPr>
+              <a:t>UserStore</a:t>
+            </a:r>
+            <a:r>
+              <a:rPr lang="en-US" sz="1200" dirty="0">
+                <a:solidFill>
+                  <a:srgbClr val="000000"/>
+                </a:solidFill>
+                <a:highlight>
+                  <a:srgbClr val="FFFFFF"/>
+                </a:highlight>
+                <a:latin typeface="Consolas" panose="020B0609020204030204" pitchFamily="49" charset="0"/>
+              </a:rPr>
+              <a:t>&lt;</a:t>
+            </a:r>
+            <a:r>
+              <a:rPr lang="en-US" sz="1200" dirty="0" err="1">
+                <a:solidFill>
+                  <a:srgbClr val="2B91AF"/>
+                </a:solidFill>
+                <a:highlight>
+                  <a:srgbClr val="FFFFFF"/>
+                </a:highlight>
+                <a:latin typeface="Consolas" panose="020B0609020204030204" pitchFamily="49" charset="0"/>
+              </a:rPr>
+              <a:t>IdentityUser</a:t>
+            </a:r>
+            <a:r>
+              <a:rPr lang="en-US" sz="1200" dirty="0">
+                <a:solidFill>
+                  <a:srgbClr val="000000"/>
+                </a:solidFill>
+                <a:highlight>
+                  <a:srgbClr val="FFFFFF"/>
+                </a:highlight>
+                <a:latin typeface="Consolas" panose="020B0609020204030204" pitchFamily="49" charset="0"/>
+              </a:rPr>
+              <a:t>&gt;();</a:t>
             </a:r>
           </a:p>
           <a:p>
@@ -6243,16 +6463,40 @@
               <a:buNone/>
             </a:pPr>
             <a:r>
-              <a:rPr lang="en-US" sz="4800" dirty="0">
-                <a:solidFill>
-                  <a:srgbClr val="000000"/>
-                </a:solidFill>
-                <a:highlight>
-                  <a:srgbClr val="FFFFFF"/>
-                </a:highlight>
-                <a:latin typeface="Consolas" panose="020B0609020204030204" pitchFamily="49" charset="0"/>
-              </a:rPr>
-              <a:t>                }</a:t>
+              <a:rPr lang="en-US" sz="1200" dirty="0">
+                <a:solidFill>
+                  <a:srgbClr val="000000"/>
+                </a:solidFill>
+                <a:highlight>
+                  <a:srgbClr val="FFFFFF"/>
+                </a:highlight>
+                <a:latin typeface="Consolas" panose="020B0609020204030204" pitchFamily="49" charset="0"/>
+              </a:rPr>
+              <a:t>                </a:t>
+            </a:r>
+            <a:r>
+              <a:rPr lang="en-US" sz="1200" dirty="0" err="1">
+                <a:solidFill>
+                  <a:srgbClr val="000000"/>
+                </a:solidFill>
+                <a:highlight>
+                  <a:srgbClr val="FFFFFF"/>
+                </a:highlight>
+                <a:latin typeface="Consolas" panose="020B0609020204030204" pitchFamily="49" charset="0"/>
+              </a:rPr>
+              <a:t>appstore.Context.SaveChanges</a:t>
+            </a:r>
+            <a:r>
+              <a:rPr lang="en-US" sz="1200" dirty="0">
+                <a:solidFill>
+                  <a:srgbClr val="000000"/>
+                </a:solidFill>
+                <a:highlight>
+                  <a:srgbClr val="FFFFFF"/>
+                </a:highlight>
+                <a:latin typeface="Consolas" panose="020B0609020204030204" pitchFamily="49" charset="0"/>
+              </a:rPr>
+              <a:t>();</a:t>
             </a:r>
           </a:p>
           <a:p>
@@ -6260,7 +6504,7 @@
               <a:buNone/>
             </a:pPr>
             <a:r>
-              <a:rPr lang="en-US" sz="4800" dirty="0">
+              <a:rPr lang="en-US" sz="1200" dirty="0">
                 <a:solidFill>
                   <a:srgbClr val="000000"/>
                 </a:solidFill>
@@ -6272,7 +6516,7 @@
               <a:t>                </a:t>
             </a:r>
             <a:r>
-              <a:rPr lang="en-US" sz="4800" dirty="0">
+              <a:rPr lang="en-US" sz="1200" dirty="0" err="1">
                 <a:solidFill>
                   <a:srgbClr val="0000FF"/>
                 </a:solidFill>
@@ -6281,116 +6525,53 @@
                 </a:highlight>
                 <a:latin typeface="Consolas" panose="020B0609020204030204" pitchFamily="49" charset="0"/>
               </a:rPr>
-              <a:t>var</a:t>
-            </a:r>
-            <a:r>
-              <a:rPr lang="en-US" sz="4800" dirty="0">
-                <a:solidFill>
-                  <a:srgbClr val="000000"/>
-                </a:solidFill>
-                <a:highlight>
-                  <a:srgbClr val="FFFFFF"/>
-                </a:highlight>
-                <a:latin typeface="Consolas" panose="020B0609020204030204" pitchFamily="49" charset="0"/>
-              </a:rPr>
-              <a:t> appstore = </a:t>
-            </a:r>
-            <a:r>
-              <a:rPr lang="en-US" sz="4800" dirty="0">
-                <a:solidFill>
-                  <a:srgbClr val="0000FF"/>
-                </a:solidFill>
-                <a:highlight>
-                  <a:srgbClr val="FFFFFF"/>
-                </a:highlight>
-                <a:latin typeface="Consolas" panose="020B0609020204030204" pitchFamily="49" charset="0"/>
-              </a:rPr>
-              <a:t>new</a:t>
-            </a:r>
-            <a:r>
-              <a:rPr lang="en-US" sz="4800" dirty="0">
-                <a:solidFill>
-                  <a:srgbClr val="000000"/>
-                </a:solidFill>
-                <a:highlight>
-                  <a:srgbClr val="FFFFFF"/>
-                </a:highlight>
-                <a:latin typeface="Consolas" panose="020B0609020204030204" pitchFamily="49" charset="0"/>
-              </a:rPr>
-              <a:t> </a:t>
-            </a:r>
-            <a:r>
-              <a:rPr lang="en-US" sz="4800" dirty="0">
-                <a:solidFill>
-                  <a:srgbClr val="2B91AF"/>
-                </a:solidFill>
-                <a:highlight>
-                  <a:srgbClr val="FFFFFF"/>
-                </a:highlight>
-                <a:latin typeface="Consolas" panose="020B0609020204030204" pitchFamily="49" charset="0"/>
-              </a:rPr>
-              <a:t>UserStore</a:t>
-            </a:r>
-            <a:r>
-              <a:rPr lang="en-US" sz="4800" dirty="0">
-                <a:solidFill>
-                  <a:srgbClr val="000000"/>
-                </a:solidFill>
-                <a:highlight>
-                  <a:srgbClr val="FFFFFF"/>
-                </a:highlight>
-                <a:latin typeface="Consolas" panose="020B0609020204030204" pitchFamily="49" charset="0"/>
-              </a:rPr>
-              <a:t>&lt;</a:t>
-            </a:r>
-            <a:r>
-              <a:rPr lang="en-US" sz="4800" dirty="0">
-                <a:solidFill>
-                  <a:srgbClr val="2B91AF"/>
-                </a:solidFill>
-                <a:highlight>
-                  <a:srgbClr val="FFFFFF"/>
-                </a:highlight>
-                <a:latin typeface="Consolas" panose="020B0609020204030204" pitchFamily="49" charset="0"/>
-              </a:rPr>
-              <a:t>IdentityUser</a:t>
-            </a:r>
-            <a:r>
-              <a:rPr lang="en-US" sz="4800" dirty="0">
-                <a:solidFill>
-                  <a:srgbClr val="000000"/>
-                </a:solidFill>
-                <a:highlight>
-                  <a:srgbClr val="FFFFFF"/>
-                </a:highlight>
-                <a:latin typeface="Consolas" panose="020B0609020204030204" pitchFamily="49" charset="0"/>
-              </a:rPr>
-              <a:t>&gt;();</a:t>
+              <a:t>base</a:t>
+            </a:r>
+            <a:r>
+              <a:rPr lang="en-US" sz="1200" dirty="0" err="1">
+                <a:solidFill>
+                  <a:srgbClr val="000000"/>
+                </a:solidFill>
+                <a:highlight>
+                  <a:srgbClr val="FFFFFF"/>
+                </a:highlight>
+                <a:latin typeface="Consolas" panose="020B0609020204030204" pitchFamily="49" charset="0"/>
+              </a:rPr>
+              <a:t>.Seed</a:t>
+            </a:r>
+            <a:r>
+              <a:rPr lang="en-US" sz="1200" dirty="0">
+                <a:solidFill>
+                  <a:srgbClr val="000000"/>
+                </a:solidFill>
+                <a:highlight>
+                  <a:srgbClr val="FFFFFF"/>
+                </a:highlight>
+                <a:latin typeface="Consolas" panose="020B0609020204030204" pitchFamily="49" charset="0"/>
+              </a:rPr>
+              <a:t>(context);</a:t>
             </a:r>
           </a:p>
           <a:p>
             <a:pPr marL="0" indent="0">
               <a:buNone/>
             </a:pPr>
-            <a:r>
-              <a:rPr lang="en-US" sz="4800" dirty="0">
-                <a:solidFill>
-                  <a:srgbClr val="000000"/>
-                </a:solidFill>
-                <a:highlight>
-                  <a:srgbClr val="FFFFFF"/>
-                </a:highlight>
-                <a:latin typeface="Consolas" panose="020B0609020204030204" pitchFamily="49" charset="0"/>
-              </a:rPr>
-              <a:t>                appstore.Context.SaveChanges();</a:t>
-            </a:r>
+            <a:endParaRPr lang="en-US" sz="1200" dirty="0">
+              <a:solidFill>
+                <a:srgbClr val="000000"/>
+              </a:solidFill>
+              <a:highlight>
+                <a:srgbClr val="FFFFFF"/>
+              </a:highlight>
+              <a:latin typeface="Consolas" panose="020B0609020204030204" pitchFamily="49" charset="0"/>
+            </a:endParaRPr>
           </a:p>
           <a:p>
             <a:pPr marL="0" indent="0">
               <a:buNone/>
             </a:pPr>
             <a:r>
-              <a:rPr lang="en-US" sz="4800" dirty="0">
+              <a:rPr lang="en-US" sz="1200" dirty="0">
                 <a:solidFill>
                   <a:srgbClr val="000000"/>
                 </a:solidFill>
@@ -6407,65 +6588,7 @@
               <a:buNone/>
             </a:pPr>
             <a:r>
-              <a:rPr lang="en-US" sz="4800" dirty="0">
-                <a:solidFill>
-                  <a:srgbClr val="000000"/>
-                </a:solidFill>
-                <a:highlight>
-                  <a:srgbClr val="FFFFFF"/>
-                </a:highlight>
-                <a:latin typeface="Consolas" panose="020B0609020204030204" pitchFamily="49" charset="0"/>
-              </a:rPr>
-              <a:t>            usermanager.Dispose();</a:t>
-            </a:r>
-          </a:p>
-          <a:p>
-            <a:pPr marL="0" indent="0">
-              <a:buNone/>
-            </a:pPr>
-            <a:r>
-              <a:rPr lang="en-US" sz="4800" dirty="0">
-                <a:solidFill>
-                  <a:srgbClr val="000000"/>
-                </a:solidFill>
-                <a:highlight>
-                  <a:srgbClr val="FFFFFF"/>
-                </a:highlight>
-                <a:latin typeface="Consolas" panose="020B0609020204030204" pitchFamily="49" charset="0"/>
-              </a:rPr>
-              <a:t>            </a:t>
-            </a:r>
-            <a:r>
-              <a:rPr lang="en-US" sz="4800" dirty="0">
-                <a:solidFill>
-                  <a:srgbClr val="0000FF"/>
-                </a:solidFill>
-                <a:highlight>
-                  <a:srgbClr val="FFFFFF"/>
-                </a:highlight>
-                <a:latin typeface="Consolas" panose="020B0609020204030204" pitchFamily="49" charset="0"/>
-              </a:rPr>
-              <a:t>base</a:t>
-            </a:r>
-            <a:r>
-              <a:rPr lang="en-US" sz="4800" dirty="0">
-                <a:solidFill>
-                  <a:srgbClr val="000000"/>
-                </a:solidFill>
-                <a:highlight>
-                  <a:srgbClr val="FFFFFF"/>
-                </a:highlight>
-                <a:latin typeface="Consolas" panose="020B0609020204030204" pitchFamily="49" charset="0"/>
-              </a:rPr>
-              <a:t>.Seed(context);</a:t>
-            </a:r>
-          </a:p>
-          <a:p>
-            <a:pPr marL="0" indent="0">
-              <a:buNone/>
-            </a:pPr>
-            <a:r>
-              <a:rPr lang="en-US" sz="4800" dirty="0">
+              <a:rPr lang="en-US" sz="1200" dirty="0">
                 <a:solidFill>
                   <a:srgbClr val="000000"/>
                 </a:solidFill>
@@ -6476,7 +6599,7 @@
               </a:rPr>
               <a:t>        }</a:t>
             </a:r>
-            <a:endParaRPr lang="en-US" sz="4800" dirty="0"/>
+            <a:endParaRPr lang="en-US" sz="1200" dirty="0"/>
           </a:p>
         </p:txBody>
       </p:sp>
@@ -6504,7 +6627,15 @@
           <a:p>
             <a:r>
               <a:rPr lang="en-US" sz="2800" dirty="0" smtClean="0"/>
-              <a:t>We override the seed method and use the class Usermanager to create 100 new users in the database</a:t>
+              <a:t>We override the seed method and use the class Usermanager to create </a:t>
+            </a:r>
+            <a:r>
+              <a:rPr lang="en-US" sz="2800" dirty="0" smtClean="0"/>
+              <a:t>10 </a:t>
+            </a:r>
+            <a:r>
+              <a:rPr lang="en-US" sz="2800" dirty="0" smtClean="0"/>
+              <a:t>new users in the database</a:t>
             </a:r>
             <a:endParaRPr lang="en-US" sz="2800" dirty="0"/>
           </a:p>
@@ -6860,21 +6991,7 @@
                 </a:highlight>
                 <a:latin typeface="Consolas" panose="020B0609020204030204" pitchFamily="49" charset="0"/>
               </a:rPr>
-              <a:t>            </a:t>
-            </a:r>
-            <a:r>
-              <a:rPr lang="en-US" sz="1600" dirty="0">
-                <a:solidFill>
-                  <a:schemeClr val="bg1">
-                    <a:lumMod val="65000"/>
-                  </a:schemeClr>
-                </a:solidFill>
-                <a:highlight>
-                  <a:srgbClr val="FFFFFF"/>
-                </a:highlight>
-                <a:latin typeface="Consolas" panose="020B0609020204030204" pitchFamily="49" charset="0"/>
-              </a:rPr>
-              <a:t>new IdentityDbContext</a:t>
+              <a:t>            new IdentityDbContext</a:t>
             </a:r>
             <a:r>
               <a:rPr lang="en-US" sz="1600" dirty="0" smtClean="0">
@@ -7021,7 +7138,12 @@
             <p:ph idx="1"/>
           </p:nvPr>
         </p:nvSpPr>
-        <p:spPr/>
+        <p:spPr>
+          <a:xfrm>
+            <a:off x="457200" y="1196752"/>
+            <a:ext cx="8229600" cy="4929411"/>
+          </a:xfrm>
+        </p:spPr>
         <p:txBody>
           <a:bodyPr>
             <a:normAutofit/>
@@ -7033,8 +7155,22 @@
             </a:pPr>
             <a:r>
               <a:rPr lang="en-US" sz="3000" dirty="0" smtClean="0"/>
-              <a:t>If we run the application now, the application will populate the database with 100 users </a:t>
-            </a:r>
+              <a:t>If we run the application now, the application will populate the database with </a:t>
+            </a:r>
+            <a:r>
+              <a:rPr lang="en-US" sz="3000" dirty="0" smtClean="0"/>
+              <a:t>10 </a:t>
+            </a:r>
+            <a:r>
+              <a:rPr lang="en-US" sz="3000" dirty="0" smtClean="0"/>
+              <a:t>users </a:t>
+            </a:r>
+          </a:p>
+          <a:p>
+            <a:pPr marL="0" indent="0">
+              <a:buNone/>
+            </a:pPr>
+            <a:endParaRPr lang="en-US" sz="3000" dirty="0" smtClean="0"/>
           </a:p>
           <a:p>
             <a:pPr marL="0" indent="0">
@@ -7042,18 +7178,38 @@
             </a:pPr>
             <a:endParaRPr lang="en-US" sz="3000" dirty="0"/>
           </a:p>
-          <a:p>
-            <a:pPr marL="0" indent="0">
-              <a:buNone/>
-            </a:pPr>
-            <a:r>
-              <a:rPr lang="en-US" sz="3000" dirty="0" smtClean="0"/>
-              <a:t>It is easy to customize your user identity, by creating a class which inherits from IdentityUser and adding properties</a:t>
-            </a:r>
-            <a:endParaRPr lang="en-US" sz="3000" dirty="0"/>
-          </a:p>
-        </p:txBody>
-      </p:sp>
+        </p:txBody>
+      </p:sp>
+      <p:pic>
+        <p:nvPicPr>
+          <p:cNvPr id="4" name="Bildobjekt 3"/>
+          <p:cNvPicPr>
+            <a:picLocks noChangeAspect="1"/>
+          </p:cNvPicPr>
+          <p:nvPr/>
+        </p:nvPicPr>
+        <p:blipFill>
+          <a:blip r:embed="rId2">
+            <a:extLst>
+              <a:ext uri="{28A0092B-C50C-407E-A947-70E740481C1C}">
+                <a14:useLocalDpi xmlns:a14="http://schemas.microsoft.com/office/drawing/2010/main" val="0"/>
+              </a:ext>
+            </a:extLst>
+          </a:blip>
+          <a:stretch>
+            <a:fillRect/>
+          </a:stretch>
+        </p:blipFill>
+        <p:spPr>
+          <a:xfrm>
+            <a:off x="565907" y="2780928"/>
+            <a:ext cx="8012186" cy="2735868"/>
+          </a:xfrm>
+          <a:prstGeom prst="rect">
+            <a:avLst/>
+          </a:prstGeom>
+        </p:spPr>
+      </p:pic>
     </p:spTree>
     <p:extLst>
       <p:ext uri="{BB962C8B-B14F-4D97-AF65-F5344CB8AC3E}">
@@ -7885,11 +8041,11 @@
   <p:clrMapOvr>
     <a:masterClrMapping/>
   </p:clrMapOvr>
-  <mc:AlternateContent xmlns:mc="http://schemas.openxmlformats.org/markup-compatibility/2006">
-    <mc:Choice xmlns:p14="http://schemas.microsoft.com/office/powerpoint/2010/main" Requires="p14">
+  <mc:AlternateContent xmlns:mc="http://schemas.openxmlformats.org/markup-compatibility/2006" xmlns:p14="http://schemas.microsoft.com/office/powerpoint/2010/main">
+    <mc:Choice Requires="p14">
       <p:transition spd="slow" p14:dur="2000"/>
     </mc:Choice>
-    <mc:Fallback>
+    <mc:Fallback xmlns="">
       <p:transition spd="slow"/>
     </mc:Fallback>
   </mc:AlternateContent>
@@ -9105,7 +9261,19 @@
             </a:r>
             <a:r>
               <a:rPr lang="en-US" sz="2400" dirty="0"/>
-              <a:t>note that the connection string has to be on a single line!</a:t>
+              <a:t>note that the connection string has to be on a </a:t>
+            </a:r>
+            <a:r>
+              <a:rPr lang="en-US" sz="2400" b="1" dirty="0">
+                <a:solidFill>
+                  <a:srgbClr val="77933C"/>
+                </a:solidFill>
+              </a:rPr>
+              <a:t>single line</a:t>
+            </a:r>
+            <a:r>
+              <a:rPr lang="en-US" sz="2400" dirty="0"/>
+              <a:t>!</a:t>
             </a:r>
           </a:p>
         </p:txBody>
@@ -9195,25 +9363,17 @@
             </a:pPr>
             <a:r>
               <a:rPr lang="en-US" dirty="0" smtClean="0"/>
-              <a:t>We will have to add ASP.NET </a:t>
-            </a:r>
+              <a:t>We will have to add ASP.NET Identity</a:t>
+            </a:r>
+            <a:endParaRPr lang="en-US" dirty="0"/>
+          </a:p>
+          <a:p>
+            <a:pPr marL="0" indent="0">
+              <a:buNone/>
+            </a:pPr>
             <a:r>
               <a:rPr lang="en-US" dirty="0" smtClean="0"/>
-              <a:t>Identity</a:t>
-            </a:r>
-            <a:endParaRPr lang="en-US" dirty="0"/>
-          </a:p>
-          <a:p>
-            <a:pPr marL="0" indent="0">
-              <a:buNone/>
-            </a:pPr>
-            <a:r>
-              <a:rPr lang="en-US" dirty="0" smtClean="0"/>
-              <a:t>Open </a:t>
-            </a:r>
-            <a:r>
-              <a:rPr lang="en-US" dirty="0" smtClean="0"/>
-              <a:t>the Package </a:t>
+              <a:t>Open the Package </a:t>
             </a:r>
             <a:r>
               <a:rPr lang="en-US" dirty="0"/>
@@ -9434,8 +9594,8 @@
         </p:nvSpPr>
         <p:spPr>
           <a:xfrm>
-            <a:off x="37427" y="2852936"/>
-            <a:ext cx="9143085" cy="2448272"/>
+            <a:off x="-360040" y="2780928"/>
+            <a:ext cx="9180512" cy="2535963"/>
           </a:xfrm>
         </p:spPr>
         <p:txBody>
@@ -9591,31 +9751,7 @@
                 </a:highlight>
                 <a:latin typeface="Consolas" panose="020B0609020204030204" pitchFamily="49" charset="0"/>
               </a:rPr>
-              <a:t> </a:t>
-            </a:r>
-            <a:r>
-              <a:rPr lang="en-US" sz="1600" dirty="0">
-                <a:solidFill>
-                  <a:srgbClr val="000000"/>
-                </a:solidFill>
-                <a:highlight>
-                  <a:srgbClr val="FFFFFF"/>
-                </a:highlight>
-                <a:latin typeface="Consolas" panose="020B0609020204030204" pitchFamily="49" charset="0"/>
-              </a:rPr>
-              <a:t>	</a:t>
-            </a:r>
-            <a:r>
-              <a:rPr lang="en-US" sz="1600" dirty="0">
-                <a:solidFill>
-                  <a:srgbClr val="000000"/>
-                </a:solidFill>
-                <a:highlight>
-                  <a:srgbClr val="FFFFFF"/>
-                </a:highlight>
-                <a:latin typeface="Consolas" panose="020B0609020204030204" pitchFamily="49" charset="0"/>
-              </a:rPr>
-              <a:t> </a:t>
+              <a:t> 	 </a:t>
             </a:r>
             <a:r>
               <a:rPr lang="en-US" sz="1600" dirty="0" smtClean="0">
@@ -9737,19 +9873,7 @@
                 </a:highlight>
                 <a:latin typeface="Consolas" panose="020B0609020204030204" pitchFamily="49" charset="0"/>
               </a:rPr>
-              <a:t>       </a:t>
-            </a:r>
-            <a:r>
-              <a:rPr lang="en-US" sz="1600" dirty="0" smtClean="0">
-                <a:solidFill>
-                  <a:srgbClr val="000000"/>
-                </a:solidFill>
-                <a:highlight>
-                  <a:srgbClr val="FFFFFF"/>
-                </a:highlight>
-                <a:latin typeface="Consolas" panose="020B0609020204030204" pitchFamily="49" charset="0"/>
-              </a:rPr>
-              <a:t>	 }</a:t>
+              <a:t>       	 }</a:t>
             </a:r>
           </a:p>
           <a:p>
@@ -9810,7 +9934,7 @@
         </p:nvSpPr>
         <p:spPr>
           <a:xfrm flipH="1">
-            <a:off x="6012160" y="2494056"/>
+            <a:off x="5652120" y="2494056"/>
             <a:ext cx="2952328" cy="1511008"/>
           </a:xfrm>
           <a:prstGeom prst="wedgeRectCallout">
@@ -9978,7 +10102,15 @@
             </a:r>
             <a:r>
               <a:rPr lang="en-US" dirty="0" smtClean="0"/>
-              <a:t> will create tables in our database</a:t>
+              <a:t> will create </a:t>
+            </a:r>
+            <a:r>
+              <a:rPr lang="en-US" dirty="0" smtClean="0"/>
+              <a:t>the following tables </a:t>
+            </a:r>
+            <a:r>
+              <a:rPr lang="en-US" dirty="0" smtClean="0"/>
+              <a:t>in our database</a:t>
             </a:r>
             <a:endParaRPr lang="en-US" dirty="0"/>
           </a:p>
@@ -10035,7 +10167,7 @@
 </file>
 
 <file path=ppt/slides/slide9.xml><?xml version="1.0" encoding="utf-8"?>
-<p:sld xmlns:a="http://schemas.openxmlformats.org/drawingml/2006/main" xmlns:r="http://schemas.openxmlformats.org/officeDocument/2006/relationships" xmlns:p="http://schemas.openxmlformats.org/presentationml/2006/main">
+<p:sld xmlns:a="http://schemas.openxmlformats.org/drawingml/2006/main" xmlns:r="http://schemas.openxmlformats.org/officeDocument/2006/relationships" xmlns:p="http://schemas.openxmlformats.org/presentationml/2006/main" show="0">
   <p:cSld>
     <p:spTree>
       <p:nvGrpSpPr>
@@ -10200,6 +10332,14 @@
   <p:clrMapOvr>
     <a:masterClrMapping/>
   </p:clrMapOvr>
+  <mc:AlternateContent xmlns:mc="http://schemas.openxmlformats.org/markup-compatibility/2006">
+    <mc:Choice xmlns:p14="http://schemas.microsoft.com/office/powerpoint/2010/main" Requires="p14">
+      <p:transition spd="slow" p14:dur="2000"/>
+    </mc:Choice>
+    <mc:Fallback>
+      <p:transition spd="slow"/>
+    </mc:Fallback>
+  </mc:AlternateContent>
   <p:timing>
     <p:tnLst>
       <p:par>
